--- a/vizsgaremek/vizsgaremek_vedes_sze.pptx
+++ b/vizsgaremek/vizsgaremek_vedes_sze.pptx
@@ -297,9 +297,10 @@
           <a:p>
             <a:fld id="{ED3774FF-D077-463E-9CDE-22445ED8CF43}" type="datetimeFigureOut">
               <a:rPr lang="hu-HU" smtClean="0"/>
-              <a:t>2023. 04. 22.</a:t>
+              <a:pPr/>
+              <a:t>2023. 04. 23.</a:t>
             </a:fld>
-            <a:endParaRPr lang="hu-HU"/>
+            <a:endParaRPr lang="hu-HU" dirty="0"/>
           </a:p>
         </p:txBody>
       </p:sp>
@@ -318,7 +319,7 @@
           <a:bodyPr/>
           <a:lstStyle/>
           <a:p>
-            <a:endParaRPr lang="hu-HU"/>
+            <a:endParaRPr lang="hu-HU" dirty="0"/>
           </a:p>
         </p:txBody>
       </p:sp>
@@ -339,9 +340,10 @@
           <a:p>
             <a:fld id="{DE6EF7D8-ED8C-44CC-BBE5-522EC97DB3AD}" type="slidenum">
               <a:rPr lang="hu-HU" smtClean="0"/>
+              <a:pPr/>
               <a:t>‹#›</a:t>
             </a:fld>
-            <a:endParaRPr lang="hu-HU"/>
+            <a:endParaRPr lang="hu-HU" dirty="0"/>
           </a:p>
         </p:txBody>
       </p:sp>
@@ -462,9 +464,10 @@
           <a:p>
             <a:fld id="{ED3774FF-D077-463E-9CDE-22445ED8CF43}" type="datetimeFigureOut">
               <a:rPr lang="hu-HU" smtClean="0"/>
-              <a:t>2023. 04. 22.</a:t>
+              <a:pPr/>
+              <a:t>2023. 04. 23.</a:t>
             </a:fld>
-            <a:endParaRPr lang="hu-HU"/>
+            <a:endParaRPr lang="hu-HU" dirty="0"/>
           </a:p>
         </p:txBody>
       </p:sp>
@@ -483,7 +486,7 @@
           <a:bodyPr/>
           <a:lstStyle/>
           <a:p>
-            <a:endParaRPr lang="hu-HU"/>
+            <a:endParaRPr lang="hu-HU" dirty="0"/>
           </a:p>
         </p:txBody>
       </p:sp>
@@ -504,9 +507,10 @@
           <a:p>
             <a:fld id="{DE6EF7D8-ED8C-44CC-BBE5-522EC97DB3AD}" type="slidenum">
               <a:rPr lang="hu-HU" smtClean="0"/>
+              <a:pPr/>
               <a:t>‹#›</a:t>
             </a:fld>
-            <a:endParaRPr lang="hu-HU"/>
+            <a:endParaRPr lang="hu-HU" dirty="0"/>
           </a:p>
         </p:txBody>
       </p:sp>
@@ -637,9 +641,10 @@
           <a:p>
             <a:fld id="{ED3774FF-D077-463E-9CDE-22445ED8CF43}" type="datetimeFigureOut">
               <a:rPr lang="hu-HU" smtClean="0"/>
-              <a:t>2023. 04. 22.</a:t>
+              <a:pPr/>
+              <a:t>2023. 04. 23.</a:t>
             </a:fld>
-            <a:endParaRPr lang="hu-HU"/>
+            <a:endParaRPr lang="hu-HU" dirty="0"/>
           </a:p>
         </p:txBody>
       </p:sp>
@@ -658,7 +663,7 @@
           <a:bodyPr/>
           <a:lstStyle/>
           <a:p>
-            <a:endParaRPr lang="hu-HU"/>
+            <a:endParaRPr lang="hu-HU" dirty="0"/>
           </a:p>
         </p:txBody>
       </p:sp>
@@ -679,9 +684,10 @@
           <a:p>
             <a:fld id="{DE6EF7D8-ED8C-44CC-BBE5-522EC97DB3AD}" type="slidenum">
               <a:rPr lang="hu-HU" smtClean="0"/>
+              <a:pPr/>
               <a:t>‹#›</a:t>
             </a:fld>
-            <a:endParaRPr lang="hu-HU"/>
+            <a:endParaRPr lang="hu-HU" dirty="0"/>
           </a:p>
         </p:txBody>
       </p:sp>
@@ -874,9 +880,10 @@
           <a:p>
             <a:fld id="{34E75AC9-1A3D-4BB9-BA66-86F2D9E27376}" type="datetimeFigureOut">
               <a:rPr lang="hu-HU" smtClean="0"/>
-              <a:t>2023. 04. 22.</a:t>
+              <a:pPr/>
+              <a:t>2023. 04. 23.</a:t>
             </a:fld>
-            <a:endParaRPr lang="hu-HU"/>
+            <a:endParaRPr lang="hu-HU" dirty="0"/>
           </a:p>
         </p:txBody>
       </p:sp>
@@ -895,7 +902,7 @@
           <a:bodyPr/>
           <a:lstStyle/>
           <a:p>
-            <a:endParaRPr lang="hu-HU"/>
+            <a:endParaRPr lang="hu-HU" dirty="0"/>
           </a:p>
         </p:txBody>
       </p:sp>
@@ -916,9 +923,10 @@
           <a:p>
             <a:fld id="{9B662D5E-6497-4579-991B-D6BB22DAA377}" type="slidenum">
               <a:rPr lang="hu-HU" smtClean="0"/>
+              <a:pPr/>
               <a:t>‹#›</a:t>
             </a:fld>
-            <a:endParaRPr lang="hu-HU"/>
+            <a:endParaRPr lang="hu-HU" dirty="0"/>
           </a:p>
         </p:txBody>
       </p:sp>
@@ -1039,9 +1047,10 @@
           <a:p>
             <a:fld id="{34E75AC9-1A3D-4BB9-BA66-86F2D9E27376}" type="datetimeFigureOut">
               <a:rPr lang="hu-HU" smtClean="0"/>
-              <a:t>2023. 04. 22.</a:t>
+              <a:pPr/>
+              <a:t>2023. 04. 23.</a:t>
             </a:fld>
-            <a:endParaRPr lang="hu-HU"/>
+            <a:endParaRPr lang="hu-HU" dirty="0"/>
           </a:p>
         </p:txBody>
       </p:sp>
@@ -1060,7 +1069,7 @@
           <a:bodyPr/>
           <a:lstStyle/>
           <a:p>
-            <a:endParaRPr lang="hu-HU"/>
+            <a:endParaRPr lang="hu-HU" dirty="0"/>
           </a:p>
         </p:txBody>
       </p:sp>
@@ -1081,9 +1090,10 @@
           <a:p>
             <a:fld id="{9B662D5E-6497-4579-991B-D6BB22DAA377}" type="slidenum">
               <a:rPr lang="hu-HU" smtClean="0"/>
+              <a:pPr/>
               <a:t>‹#›</a:t>
             </a:fld>
-            <a:endParaRPr lang="hu-HU"/>
+            <a:endParaRPr lang="hu-HU" dirty="0"/>
           </a:p>
         </p:txBody>
       </p:sp>
@@ -1280,9 +1290,10 @@
           <a:p>
             <a:fld id="{34E75AC9-1A3D-4BB9-BA66-86F2D9E27376}" type="datetimeFigureOut">
               <a:rPr lang="hu-HU" smtClean="0"/>
-              <a:t>2023. 04. 22.</a:t>
+              <a:pPr/>
+              <a:t>2023. 04. 23.</a:t>
             </a:fld>
-            <a:endParaRPr lang="hu-HU"/>
+            <a:endParaRPr lang="hu-HU" dirty="0"/>
           </a:p>
         </p:txBody>
       </p:sp>
@@ -1301,7 +1312,7 @@
           <a:bodyPr/>
           <a:lstStyle/>
           <a:p>
-            <a:endParaRPr lang="hu-HU"/>
+            <a:endParaRPr lang="hu-HU" dirty="0"/>
           </a:p>
         </p:txBody>
       </p:sp>
@@ -1322,9 +1333,10 @@
           <a:p>
             <a:fld id="{9B662D5E-6497-4579-991B-D6BB22DAA377}" type="slidenum">
               <a:rPr lang="hu-HU" smtClean="0"/>
+              <a:pPr/>
               <a:t>‹#›</a:t>
             </a:fld>
-            <a:endParaRPr lang="hu-HU"/>
+            <a:endParaRPr lang="hu-HU" dirty="0"/>
           </a:p>
         </p:txBody>
       </p:sp>
@@ -1563,9 +1575,10 @@
           <a:p>
             <a:fld id="{34E75AC9-1A3D-4BB9-BA66-86F2D9E27376}" type="datetimeFigureOut">
               <a:rPr lang="hu-HU" smtClean="0"/>
-              <a:t>2023. 04. 22.</a:t>
+              <a:pPr/>
+              <a:t>2023. 04. 23.</a:t>
             </a:fld>
-            <a:endParaRPr lang="hu-HU"/>
+            <a:endParaRPr lang="hu-HU" dirty="0"/>
           </a:p>
         </p:txBody>
       </p:sp>
@@ -1584,7 +1597,7 @@
           <a:bodyPr/>
           <a:lstStyle/>
           <a:p>
-            <a:endParaRPr lang="hu-HU"/>
+            <a:endParaRPr lang="hu-HU" dirty="0"/>
           </a:p>
         </p:txBody>
       </p:sp>
@@ -1605,9 +1618,10 @@
           <a:p>
             <a:fld id="{9B662D5E-6497-4579-991B-D6BB22DAA377}" type="slidenum">
               <a:rPr lang="hu-HU" smtClean="0"/>
+              <a:pPr/>
               <a:t>‹#›</a:t>
             </a:fld>
-            <a:endParaRPr lang="hu-HU"/>
+            <a:endParaRPr lang="hu-HU" dirty="0"/>
           </a:p>
         </p:txBody>
       </p:sp>
@@ -1980,9 +1994,10 @@
           <a:p>
             <a:fld id="{34E75AC9-1A3D-4BB9-BA66-86F2D9E27376}" type="datetimeFigureOut">
               <a:rPr lang="hu-HU" smtClean="0"/>
-              <a:t>2023. 04. 22.</a:t>
+              <a:pPr/>
+              <a:t>2023. 04. 23.</a:t>
             </a:fld>
-            <a:endParaRPr lang="hu-HU"/>
+            <a:endParaRPr lang="hu-HU" dirty="0"/>
           </a:p>
         </p:txBody>
       </p:sp>
@@ -2001,7 +2016,7 @@
           <a:bodyPr/>
           <a:lstStyle/>
           <a:p>
-            <a:endParaRPr lang="hu-HU"/>
+            <a:endParaRPr lang="hu-HU" dirty="0"/>
           </a:p>
         </p:txBody>
       </p:sp>
@@ -2022,9 +2037,10 @@
           <a:p>
             <a:fld id="{9B662D5E-6497-4579-991B-D6BB22DAA377}" type="slidenum">
               <a:rPr lang="hu-HU" smtClean="0"/>
+              <a:pPr/>
               <a:t>‹#›</a:t>
             </a:fld>
-            <a:endParaRPr lang="hu-HU"/>
+            <a:endParaRPr lang="hu-HU" dirty="0"/>
           </a:p>
         </p:txBody>
       </p:sp>
@@ -2093,9 +2109,10 @@
           <a:p>
             <a:fld id="{34E75AC9-1A3D-4BB9-BA66-86F2D9E27376}" type="datetimeFigureOut">
               <a:rPr lang="hu-HU" smtClean="0"/>
-              <a:t>2023. 04. 22.</a:t>
+              <a:pPr/>
+              <a:t>2023. 04. 23.</a:t>
             </a:fld>
-            <a:endParaRPr lang="hu-HU"/>
+            <a:endParaRPr lang="hu-HU" dirty="0"/>
           </a:p>
         </p:txBody>
       </p:sp>
@@ -2114,7 +2131,7 @@
           <a:bodyPr/>
           <a:lstStyle/>
           <a:p>
-            <a:endParaRPr lang="hu-HU"/>
+            <a:endParaRPr lang="hu-HU" dirty="0"/>
           </a:p>
         </p:txBody>
       </p:sp>
@@ -2135,9 +2152,10 @@
           <a:p>
             <a:fld id="{9B662D5E-6497-4579-991B-D6BB22DAA377}" type="slidenum">
               <a:rPr lang="hu-HU" smtClean="0"/>
+              <a:pPr/>
               <a:t>‹#›</a:t>
             </a:fld>
-            <a:endParaRPr lang="hu-HU"/>
+            <a:endParaRPr lang="hu-HU" dirty="0"/>
           </a:p>
         </p:txBody>
       </p:sp>
@@ -2183,9 +2201,10 @@
           <a:p>
             <a:fld id="{34E75AC9-1A3D-4BB9-BA66-86F2D9E27376}" type="datetimeFigureOut">
               <a:rPr lang="hu-HU" smtClean="0"/>
-              <a:t>2023. 04. 22.</a:t>
+              <a:pPr/>
+              <a:t>2023. 04. 23.</a:t>
             </a:fld>
-            <a:endParaRPr lang="hu-HU"/>
+            <a:endParaRPr lang="hu-HU" dirty="0"/>
           </a:p>
         </p:txBody>
       </p:sp>
@@ -2204,7 +2223,7 @@
           <a:bodyPr/>
           <a:lstStyle/>
           <a:p>
-            <a:endParaRPr lang="hu-HU"/>
+            <a:endParaRPr lang="hu-HU" dirty="0"/>
           </a:p>
         </p:txBody>
       </p:sp>
@@ -2225,9 +2244,10 @@
           <a:p>
             <a:fld id="{9B662D5E-6497-4579-991B-D6BB22DAA377}" type="slidenum">
               <a:rPr lang="hu-HU" smtClean="0"/>
+              <a:pPr/>
               <a:t>‹#›</a:t>
             </a:fld>
-            <a:endParaRPr lang="hu-HU"/>
+            <a:endParaRPr lang="hu-HU" dirty="0"/>
           </a:p>
         </p:txBody>
       </p:sp>
@@ -2455,9 +2475,10 @@
           <a:p>
             <a:fld id="{34E75AC9-1A3D-4BB9-BA66-86F2D9E27376}" type="datetimeFigureOut">
               <a:rPr lang="hu-HU" smtClean="0"/>
-              <a:t>2023. 04. 22.</a:t>
+              <a:pPr/>
+              <a:t>2023. 04. 23.</a:t>
             </a:fld>
-            <a:endParaRPr lang="hu-HU"/>
+            <a:endParaRPr lang="hu-HU" dirty="0"/>
           </a:p>
         </p:txBody>
       </p:sp>
@@ -2476,7 +2497,7 @@
           <a:bodyPr/>
           <a:lstStyle/>
           <a:p>
-            <a:endParaRPr lang="hu-HU"/>
+            <a:endParaRPr lang="hu-HU" dirty="0"/>
           </a:p>
         </p:txBody>
       </p:sp>
@@ -2497,9 +2518,10 @@
           <a:p>
             <a:fld id="{9B662D5E-6497-4579-991B-D6BB22DAA377}" type="slidenum">
               <a:rPr lang="hu-HU" smtClean="0"/>
+              <a:pPr/>
               <a:t>‹#›</a:t>
             </a:fld>
-            <a:endParaRPr lang="hu-HU"/>
+            <a:endParaRPr lang="hu-HU" dirty="0"/>
           </a:p>
         </p:txBody>
       </p:sp>
@@ -2620,9 +2642,10 @@
           <a:p>
             <a:fld id="{ED3774FF-D077-463E-9CDE-22445ED8CF43}" type="datetimeFigureOut">
               <a:rPr lang="hu-HU" smtClean="0"/>
-              <a:t>2023. 04. 22.</a:t>
+              <a:pPr/>
+              <a:t>2023. 04. 23.</a:t>
             </a:fld>
-            <a:endParaRPr lang="hu-HU"/>
+            <a:endParaRPr lang="hu-HU" dirty="0"/>
           </a:p>
         </p:txBody>
       </p:sp>
@@ -2641,7 +2664,7 @@
           <a:bodyPr/>
           <a:lstStyle/>
           <a:p>
-            <a:endParaRPr lang="hu-HU"/>
+            <a:endParaRPr lang="hu-HU" dirty="0"/>
           </a:p>
         </p:txBody>
       </p:sp>
@@ -2662,9 +2685,10 @@
           <a:p>
             <a:fld id="{DE6EF7D8-ED8C-44CC-BBE5-522EC97DB3AD}" type="slidenum">
               <a:rPr lang="hu-HU" smtClean="0"/>
+              <a:pPr/>
               <a:t>‹#›</a:t>
             </a:fld>
-            <a:endParaRPr lang="hu-HU"/>
+            <a:endParaRPr lang="hu-HU" dirty="0"/>
           </a:p>
         </p:txBody>
       </p:sp>
@@ -2782,7 +2806,7 @@
             </a:lvl9pPr>
           </a:lstStyle>
           <a:p>
-            <a:endParaRPr lang="hu-HU"/>
+            <a:endParaRPr lang="hu-HU" dirty="0"/>
           </a:p>
         </p:txBody>
       </p:sp>
@@ -2868,9 +2892,10 @@
           <a:p>
             <a:fld id="{34E75AC9-1A3D-4BB9-BA66-86F2D9E27376}" type="datetimeFigureOut">
               <a:rPr lang="hu-HU" smtClean="0"/>
-              <a:t>2023. 04. 22.</a:t>
+              <a:pPr/>
+              <a:t>2023. 04. 23.</a:t>
             </a:fld>
-            <a:endParaRPr lang="hu-HU"/>
+            <a:endParaRPr lang="hu-HU" dirty="0"/>
           </a:p>
         </p:txBody>
       </p:sp>
@@ -2889,7 +2914,7 @@
           <a:bodyPr/>
           <a:lstStyle/>
           <a:p>
-            <a:endParaRPr lang="hu-HU"/>
+            <a:endParaRPr lang="hu-HU" dirty="0"/>
           </a:p>
         </p:txBody>
       </p:sp>
@@ -2910,9 +2935,10 @@
           <a:p>
             <a:fld id="{9B662D5E-6497-4579-991B-D6BB22DAA377}" type="slidenum">
               <a:rPr lang="hu-HU" smtClean="0"/>
+              <a:pPr/>
               <a:t>‹#›</a:t>
             </a:fld>
-            <a:endParaRPr lang="hu-HU"/>
+            <a:endParaRPr lang="hu-HU" dirty="0"/>
           </a:p>
         </p:txBody>
       </p:sp>
@@ -3033,9 +3059,10 @@
           <a:p>
             <a:fld id="{34E75AC9-1A3D-4BB9-BA66-86F2D9E27376}" type="datetimeFigureOut">
               <a:rPr lang="hu-HU" smtClean="0"/>
-              <a:t>2023. 04. 22.</a:t>
+              <a:pPr/>
+              <a:t>2023. 04. 23.</a:t>
             </a:fld>
-            <a:endParaRPr lang="hu-HU"/>
+            <a:endParaRPr lang="hu-HU" dirty="0"/>
           </a:p>
         </p:txBody>
       </p:sp>
@@ -3054,7 +3081,7 @@
           <a:bodyPr/>
           <a:lstStyle/>
           <a:p>
-            <a:endParaRPr lang="hu-HU"/>
+            <a:endParaRPr lang="hu-HU" dirty="0"/>
           </a:p>
         </p:txBody>
       </p:sp>
@@ -3075,9 +3102,10 @@
           <a:p>
             <a:fld id="{9B662D5E-6497-4579-991B-D6BB22DAA377}" type="slidenum">
               <a:rPr lang="hu-HU" smtClean="0"/>
+              <a:pPr/>
               <a:t>‹#›</a:t>
             </a:fld>
-            <a:endParaRPr lang="hu-HU"/>
+            <a:endParaRPr lang="hu-HU" dirty="0"/>
           </a:p>
         </p:txBody>
       </p:sp>
@@ -3208,9 +3236,10 @@
           <a:p>
             <a:fld id="{34E75AC9-1A3D-4BB9-BA66-86F2D9E27376}" type="datetimeFigureOut">
               <a:rPr lang="hu-HU" smtClean="0"/>
-              <a:t>2023. 04. 22.</a:t>
+              <a:pPr/>
+              <a:t>2023. 04. 23.</a:t>
             </a:fld>
-            <a:endParaRPr lang="hu-HU"/>
+            <a:endParaRPr lang="hu-HU" dirty="0"/>
           </a:p>
         </p:txBody>
       </p:sp>
@@ -3229,7 +3258,7 @@
           <a:bodyPr/>
           <a:lstStyle/>
           <a:p>
-            <a:endParaRPr lang="hu-HU"/>
+            <a:endParaRPr lang="hu-HU" dirty="0"/>
           </a:p>
         </p:txBody>
       </p:sp>
@@ -3250,9 +3279,10 @@
           <a:p>
             <a:fld id="{9B662D5E-6497-4579-991B-D6BB22DAA377}" type="slidenum">
               <a:rPr lang="hu-HU" smtClean="0"/>
+              <a:pPr/>
               <a:t>‹#›</a:t>
             </a:fld>
-            <a:endParaRPr lang="hu-HU"/>
+            <a:endParaRPr lang="hu-HU" dirty="0"/>
           </a:p>
         </p:txBody>
       </p:sp>
@@ -3321,9 +3351,10 @@
           <a:p>
             <a:fld id="{34E75AC9-1A3D-4BB9-BA66-86F2D9E27376}" type="datetimeFigureOut">
               <a:rPr lang="hu-HU" smtClean="0"/>
-              <a:t>2023. 04. 22.</a:t>
+              <a:pPr/>
+              <a:t>2023. 04. 23.</a:t>
             </a:fld>
-            <a:endParaRPr lang="hu-HU"/>
+            <a:endParaRPr lang="hu-HU" dirty="0"/>
           </a:p>
         </p:txBody>
       </p:sp>
@@ -3342,7 +3373,7 @@
           <a:bodyPr/>
           <a:lstStyle/>
           <a:p>
-            <a:endParaRPr lang="hu-HU"/>
+            <a:endParaRPr lang="hu-HU" dirty="0"/>
           </a:p>
         </p:txBody>
       </p:sp>
@@ -3363,9 +3394,10 @@
           <a:p>
             <a:fld id="{9B662D5E-6497-4579-991B-D6BB22DAA377}" type="slidenum">
               <a:rPr lang="hu-HU" smtClean="0"/>
+              <a:pPr/>
               <a:t>‹#›</a:t>
             </a:fld>
-            <a:endParaRPr lang="hu-HU"/>
+            <a:endParaRPr lang="hu-HU" dirty="0"/>
           </a:p>
         </p:txBody>
       </p:sp>
@@ -3562,9 +3594,10 @@
           <a:p>
             <a:fld id="{ED3774FF-D077-463E-9CDE-22445ED8CF43}" type="datetimeFigureOut">
               <a:rPr lang="hu-HU" smtClean="0"/>
-              <a:t>2023. 04. 22.</a:t>
+              <a:pPr/>
+              <a:t>2023. 04. 23.</a:t>
             </a:fld>
-            <a:endParaRPr lang="hu-HU"/>
+            <a:endParaRPr lang="hu-HU" dirty="0"/>
           </a:p>
         </p:txBody>
       </p:sp>
@@ -3583,7 +3616,7 @@
           <a:bodyPr/>
           <a:lstStyle/>
           <a:p>
-            <a:endParaRPr lang="hu-HU"/>
+            <a:endParaRPr lang="hu-HU" dirty="0"/>
           </a:p>
         </p:txBody>
       </p:sp>
@@ -3604,9 +3637,10 @@
           <a:p>
             <a:fld id="{DE6EF7D8-ED8C-44CC-BBE5-522EC97DB3AD}" type="slidenum">
               <a:rPr lang="hu-HU" smtClean="0"/>
+              <a:pPr/>
               <a:t>‹#›</a:t>
             </a:fld>
-            <a:endParaRPr lang="hu-HU"/>
+            <a:endParaRPr lang="hu-HU" dirty="0"/>
           </a:p>
         </p:txBody>
       </p:sp>
@@ -3845,9 +3879,10 @@
           <a:p>
             <a:fld id="{ED3774FF-D077-463E-9CDE-22445ED8CF43}" type="datetimeFigureOut">
               <a:rPr lang="hu-HU" smtClean="0"/>
-              <a:t>2023. 04. 22.</a:t>
+              <a:pPr/>
+              <a:t>2023. 04. 23.</a:t>
             </a:fld>
-            <a:endParaRPr lang="hu-HU"/>
+            <a:endParaRPr lang="hu-HU" dirty="0"/>
           </a:p>
         </p:txBody>
       </p:sp>
@@ -3866,7 +3901,7 @@
           <a:bodyPr/>
           <a:lstStyle/>
           <a:p>
-            <a:endParaRPr lang="hu-HU"/>
+            <a:endParaRPr lang="hu-HU" dirty="0"/>
           </a:p>
         </p:txBody>
       </p:sp>
@@ -3887,9 +3922,10 @@
           <a:p>
             <a:fld id="{DE6EF7D8-ED8C-44CC-BBE5-522EC97DB3AD}" type="slidenum">
               <a:rPr lang="hu-HU" smtClean="0"/>
+              <a:pPr/>
               <a:t>‹#›</a:t>
             </a:fld>
-            <a:endParaRPr lang="hu-HU"/>
+            <a:endParaRPr lang="hu-HU" dirty="0"/>
           </a:p>
         </p:txBody>
       </p:sp>
@@ -4262,9 +4298,10 @@
           <a:p>
             <a:fld id="{ED3774FF-D077-463E-9CDE-22445ED8CF43}" type="datetimeFigureOut">
               <a:rPr lang="hu-HU" smtClean="0"/>
-              <a:t>2023. 04. 22.</a:t>
+              <a:pPr/>
+              <a:t>2023. 04. 23.</a:t>
             </a:fld>
-            <a:endParaRPr lang="hu-HU"/>
+            <a:endParaRPr lang="hu-HU" dirty="0"/>
           </a:p>
         </p:txBody>
       </p:sp>
@@ -4283,7 +4320,7 @@
           <a:bodyPr/>
           <a:lstStyle/>
           <a:p>
-            <a:endParaRPr lang="hu-HU"/>
+            <a:endParaRPr lang="hu-HU" dirty="0"/>
           </a:p>
         </p:txBody>
       </p:sp>
@@ -4304,9 +4341,10 @@
           <a:p>
             <a:fld id="{DE6EF7D8-ED8C-44CC-BBE5-522EC97DB3AD}" type="slidenum">
               <a:rPr lang="hu-HU" smtClean="0"/>
+              <a:pPr/>
               <a:t>‹#›</a:t>
             </a:fld>
-            <a:endParaRPr lang="hu-HU"/>
+            <a:endParaRPr lang="hu-HU" dirty="0"/>
           </a:p>
         </p:txBody>
       </p:sp>
@@ -4333,15 +4371,7 @@
           <a:p>
             <a:r>
               <a:rPr lang="hu-HU" dirty="0" smtClean="0"/>
-              <a:t>03. Automata tesztelés - </a:t>
-            </a:r>
-            <a:r>
-              <a:rPr lang="hu-HU" dirty="0" err="1" smtClean="0"/>
-              <a:t>Blogbejegyzéseken</a:t>
-            </a:r>
-            <a:r>
-              <a:rPr lang="hu-HU" dirty="0" smtClean="0"/>
-              <a:t> végigvezetve</a:t>
+              <a:t>03. Automata tesztelés - Blogbejegyzéseken végigvezetve</a:t>
             </a:r>
             <a:endParaRPr lang="hu-HU" dirty="0"/>
           </a:p>
@@ -4412,9 +4442,10 @@
           <a:p>
             <a:fld id="{ED3774FF-D077-463E-9CDE-22445ED8CF43}" type="datetimeFigureOut">
               <a:rPr lang="hu-HU" smtClean="0"/>
-              <a:t>2023. 04. 22.</a:t>
+              <a:pPr/>
+              <a:t>2023. 04. 23.</a:t>
             </a:fld>
-            <a:endParaRPr lang="hu-HU"/>
+            <a:endParaRPr lang="hu-HU" dirty="0"/>
           </a:p>
         </p:txBody>
       </p:sp>
@@ -4433,7 +4464,7 @@
           <a:bodyPr/>
           <a:lstStyle/>
           <a:p>
-            <a:endParaRPr lang="hu-HU"/>
+            <a:endParaRPr lang="hu-HU" dirty="0"/>
           </a:p>
         </p:txBody>
       </p:sp>
@@ -4454,9 +4485,10 @@
           <a:p>
             <a:fld id="{DE6EF7D8-ED8C-44CC-BBE5-522EC97DB3AD}" type="slidenum">
               <a:rPr lang="hu-HU" smtClean="0"/>
+              <a:pPr/>
               <a:t>‹#›</a:t>
             </a:fld>
-            <a:endParaRPr lang="hu-HU"/>
+            <a:endParaRPr lang="hu-HU" dirty="0"/>
           </a:p>
         </p:txBody>
       </p:sp>
@@ -4502,9 +4534,10 @@
           <a:p>
             <a:fld id="{ED3774FF-D077-463E-9CDE-22445ED8CF43}" type="datetimeFigureOut">
               <a:rPr lang="hu-HU" smtClean="0"/>
-              <a:t>2023. 04. 22.</a:t>
+              <a:pPr/>
+              <a:t>2023. 04. 23.</a:t>
             </a:fld>
-            <a:endParaRPr lang="hu-HU"/>
+            <a:endParaRPr lang="hu-HU" dirty="0"/>
           </a:p>
         </p:txBody>
       </p:sp>
@@ -4523,7 +4556,7 @@
           <a:bodyPr/>
           <a:lstStyle/>
           <a:p>
-            <a:endParaRPr lang="hu-HU"/>
+            <a:endParaRPr lang="hu-HU" dirty="0"/>
           </a:p>
         </p:txBody>
       </p:sp>
@@ -4544,9 +4577,10 @@
           <a:p>
             <a:fld id="{DE6EF7D8-ED8C-44CC-BBE5-522EC97DB3AD}" type="slidenum">
               <a:rPr lang="hu-HU" smtClean="0"/>
+              <a:pPr/>
               <a:t>‹#›</a:t>
             </a:fld>
-            <a:endParaRPr lang="hu-HU"/>
+            <a:endParaRPr lang="hu-HU" dirty="0"/>
           </a:p>
         </p:txBody>
       </p:sp>
@@ -4774,9 +4808,10 @@
           <a:p>
             <a:fld id="{ED3774FF-D077-463E-9CDE-22445ED8CF43}" type="datetimeFigureOut">
               <a:rPr lang="hu-HU" smtClean="0"/>
-              <a:t>2023. 04. 22.</a:t>
+              <a:pPr/>
+              <a:t>2023. 04. 23.</a:t>
             </a:fld>
-            <a:endParaRPr lang="hu-HU"/>
+            <a:endParaRPr lang="hu-HU" dirty="0"/>
           </a:p>
         </p:txBody>
       </p:sp>
@@ -4795,7 +4830,7 @@
           <a:bodyPr/>
           <a:lstStyle/>
           <a:p>
-            <a:endParaRPr lang="hu-HU"/>
+            <a:endParaRPr lang="hu-HU" dirty="0"/>
           </a:p>
         </p:txBody>
       </p:sp>
@@ -4816,9 +4851,10 @@
           <a:p>
             <a:fld id="{DE6EF7D8-ED8C-44CC-BBE5-522EC97DB3AD}" type="slidenum">
               <a:rPr lang="hu-HU" smtClean="0"/>
+              <a:pPr/>
               <a:t>‹#›</a:t>
             </a:fld>
-            <a:endParaRPr lang="hu-HU"/>
+            <a:endParaRPr lang="hu-HU" dirty="0"/>
           </a:p>
         </p:txBody>
       </p:sp>
@@ -4936,7 +4972,7 @@
             </a:lvl9pPr>
           </a:lstStyle>
           <a:p>
-            <a:endParaRPr lang="hu-HU"/>
+            <a:endParaRPr lang="hu-HU" dirty="0"/>
           </a:p>
         </p:txBody>
       </p:sp>
@@ -5022,9 +5058,10 @@
           <a:p>
             <a:fld id="{ED3774FF-D077-463E-9CDE-22445ED8CF43}" type="datetimeFigureOut">
               <a:rPr lang="hu-HU" smtClean="0"/>
-              <a:t>2023. 04. 22.</a:t>
+              <a:pPr/>
+              <a:t>2023. 04. 23.</a:t>
             </a:fld>
-            <a:endParaRPr lang="hu-HU"/>
+            <a:endParaRPr lang="hu-HU" dirty="0"/>
           </a:p>
         </p:txBody>
       </p:sp>
@@ -5043,7 +5080,7 @@
           <a:bodyPr/>
           <a:lstStyle/>
           <a:p>
-            <a:endParaRPr lang="hu-HU"/>
+            <a:endParaRPr lang="hu-HU" dirty="0"/>
           </a:p>
         </p:txBody>
       </p:sp>
@@ -5064,9 +5101,10 @@
           <a:p>
             <a:fld id="{DE6EF7D8-ED8C-44CC-BBE5-522EC97DB3AD}" type="slidenum">
               <a:rPr lang="hu-HU" smtClean="0"/>
+              <a:pPr/>
               <a:t>‹#›</a:t>
             </a:fld>
-            <a:endParaRPr lang="hu-HU"/>
+            <a:endParaRPr lang="hu-HU" dirty="0"/>
           </a:p>
         </p:txBody>
       </p:sp>
@@ -5233,9 +5271,10 @@
           <a:p>
             <a:fld id="{ED3774FF-D077-463E-9CDE-22445ED8CF43}" type="datetimeFigureOut">
               <a:rPr lang="hu-HU" smtClean="0"/>
-              <a:t>2023. 04. 22.</a:t>
+              <a:pPr/>
+              <a:t>2023. 04. 23.</a:t>
             </a:fld>
-            <a:endParaRPr lang="hu-HU"/>
+            <a:endParaRPr lang="hu-HU" dirty="0"/>
           </a:p>
         </p:txBody>
       </p:sp>
@@ -5272,7 +5311,7 @@
             </a:lvl1pPr>
           </a:lstStyle>
           <a:p>
-            <a:endParaRPr lang="hu-HU"/>
+            <a:endParaRPr lang="hu-HU" dirty="0"/>
           </a:p>
         </p:txBody>
       </p:sp>
@@ -5311,9 +5350,10 @@
           <a:p>
             <a:fld id="{DE6EF7D8-ED8C-44CC-BBE5-522EC97DB3AD}" type="slidenum">
               <a:rPr lang="hu-HU" smtClean="0"/>
+              <a:pPr/>
               <a:t>‹#›</a:t>
             </a:fld>
-            <a:endParaRPr lang="hu-HU"/>
+            <a:endParaRPr lang="hu-HU" dirty="0"/>
           </a:p>
         </p:txBody>
       </p:sp>
@@ -5738,9 +5778,10 @@
           <a:p>
             <a:fld id="{34E75AC9-1A3D-4BB9-BA66-86F2D9E27376}" type="datetimeFigureOut">
               <a:rPr lang="hu-HU" smtClean="0"/>
-              <a:t>2023. 04. 22.</a:t>
+              <a:pPr/>
+              <a:t>2023. 04. 23.</a:t>
             </a:fld>
-            <a:endParaRPr lang="hu-HU"/>
+            <a:endParaRPr lang="hu-HU" dirty="0"/>
           </a:p>
         </p:txBody>
       </p:sp>
@@ -5777,7 +5818,7 @@
             </a:lvl1pPr>
           </a:lstStyle>
           <a:p>
-            <a:endParaRPr lang="hu-HU"/>
+            <a:endParaRPr lang="hu-HU" dirty="0"/>
           </a:p>
         </p:txBody>
       </p:sp>
@@ -5816,9 +5857,10 @@
           <a:p>
             <a:fld id="{9B662D5E-6497-4579-991B-D6BB22DAA377}" type="slidenum">
               <a:rPr lang="hu-HU" smtClean="0"/>
+              <a:pPr/>
               <a:t>‹#›</a:t>
             </a:fld>
-            <a:endParaRPr lang="hu-HU"/>
+            <a:endParaRPr lang="hu-HU" dirty="0"/>
           </a:p>
         </p:txBody>
       </p:sp>
@@ -6614,19 +6656,7 @@
               <a:rPr lang="hu-HU" sz="3800" dirty="0" smtClean="0">
                 <a:latin typeface="Manrope" pitchFamily="2" charset="0"/>
               </a:rPr>
-              <a:t>01. </a:t>
-            </a:r>
-            <a:r>
-              <a:rPr lang="hu-HU" sz="3800" dirty="0" err="1" smtClean="0">
-                <a:latin typeface="Manrope" pitchFamily="2" charset="0"/>
-              </a:rPr>
-              <a:t>Vizsgaremekről</a:t>
-            </a:r>
-            <a:r>
-              <a:rPr lang="hu-HU" sz="3800" dirty="0" smtClean="0">
-                <a:latin typeface="Manrope" pitchFamily="2" charset="0"/>
-              </a:rPr>
-              <a:t> általában</a:t>
+              <a:t>01. Vizsgaremekről általában</a:t>
             </a:r>
           </a:p>
           <a:p>
@@ -6668,7 +6698,7 @@
               <a:t>04. </a:t>
             </a:r>
             <a:r>
-              <a:rPr lang="hu-HU" sz="3800" dirty="0" err="1" smtClean="0">
+              <a:rPr lang="hu-HU" sz="3800" dirty="0" smtClean="0">
                 <a:solidFill>
                   <a:schemeClr val="bg1"/>
                 </a:solidFill>
@@ -6775,7 +6805,7 @@
       </p:cxnSp>
       <p:pic>
         <p:nvPicPr>
-          <p:cNvPr id="10" name="Kép 9" descr="icons8-python-100.png"/>
+          <p:cNvPr id="9" name="Kép 8" descr="girl_coding_giphy_2.gif"/>
           <p:cNvPicPr>
             <a:picLocks noChangeAspect="1"/>
           </p:cNvPicPr>
@@ -6789,65 +6819,8 @@
         </p:blipFill>
         <p:spPr>
           <a:xfrm>
-            <a:off x="7668344" y="1268760"/>
-            <a:ext cx="1269841" cy="1269841"/>
-          </a:xfrm>
-          <a:prstGeom prst="rect">
-            <a:avLst/>
-          </a:prstGeom>
-        </p:spPr>
-      </p:pic>
-      <p:pic>
-        <p:nvPicPr>
-          <p:cNvPr id="1030" name="Picture 6"/>
-          <p:cNvPicPr>
-            <a:picLocks noChangeAspect="1" noChangeArrowheads="1"/>
-          </p:cNvPicPr>
-          <p:nvPr/>
-        </p:nvPicPr>
-        <p:blipFill>
-          <a:blip r:embed="rId3" cstate="print"/>
-          <a:srcRect/>
-          <a:stretch>
-            <a:fillRect/>
-          </a:stretch>
-        </p:blipFill>
-        <p:spPr bwMode="auto">
-          <a:xfrm>
-            <a:off x="5292080" y="4941168"/>
-            <a:ext cx="1312540" cy="1312540"/>
-          </a:xfrm>
-          <a:prstGeom prst="rect">
-            <a:avLst/>
-          </a:prstGeom>
-          <a:noFill/>
-          <a:ln w="9525">
-            <a:noFill/>
-            <a:miter lim="800000"/>
-            <a:headEnd/>
-            <a:tailEnd/>
-          </a:ln>
-          <a:effectLst/>
-        </p:spPr>
-      </p:pic>
-      <p:pic>
-        <p:nvPicPr>
-          <p:cNvPr id="13" name="Kép 12" descr="git.gif"/>
-          <p:cNvPicPr>
-            <a:picLocks noChangeAspect="1"/>
-          </p:cNvPicPr>
-          <p:nvPr/>
-        </p:nvPicPr>
-        <p:blipFill>
-          <a:blip r:embed="rId4" cstate="print"/>
-          <a:stretch>
-            <a:fillRect/>
-          </a:stretch>
-        </p:blipFill>
-        <p:spPr>
-          <a:xfrm>
-            <a:off x="6372200" y="2780928"/>
-            <a:ext cx="2069976" cy="2022539"/>
+            <a:off x="5652120" y="3825044"/>
+            <a:ext cx="3312368" cy="2484276"/>
           </a:xfrm>
           <a:prstGeom prst="rect">
             <a:avLst/>
@@ -6911,13 +6884,7 @@
               <a:rPr lang="hu-HU" dirty="0" smtClean="0">
                 <a:latin typeface="Manrope" pitchFamily="2" charset="0"/>
               </a:rPr>
-              <a:t>01. </a:t>
-            </a:r>
-            <a:r>
-              <a:rPr lang="hu-HU" dirty="0" err="1" smtClean="0">
-                <a:latin typeface="Manrope" pitchFamily="2" charset="0"/>
-              </a:rPr>
-              <a:t>Vizsgaremekről</a:t>
+              <a:t>01. Vizsgaremekről</a:t>
             </a:r>
             <a:endParaRPr lang="hu-HU" dirty="0">
               <a:latin typeface="Manrope" pitchFamily="2" charset="0"/>
@@ -6949,7 +6916,7 @@
               <a:buNone/>
             </a:pPr>
             <a:r>
-              <a:rPr lang="hu-HU" sz="2800" dirty="0" err="1" smtClean="0">
+              <a:rPr lang="hu-HU" sz="2800" dirty="0" smtClean="0">
                 <a:latin typeface="Manrope" pitchFamily="2" charset="0"/>
               </a:rPr>
               <a:t>Conduit</a:t>
@@ -6960,16 +6927,10 @@
           </a:p>
           <a:p>
             <a:r>
-              <a:rPr lang="hu-HU" sz="1400" dirty="0" err="1" smtClean="0">
-                <a:latin typeface="Manrope" pitchFamily="2" charset="0"/>
-              </a:rPr>
-              <a:t>Blogbejegyzések</a:t>
-            </a:r>
-            <a:r>
               <a:rPr lang="hu-HU" sz="1400" dirty="0" smtClean="0">
                 <a:latin typeface="Manrope" pitchFamily="2" charset="0"/>
               </a:rPr>
-              <a:t> olvasása és készítése</a:t>
+              <a:t>Blogbejegyzések olvasása és készítése</a:t>
             </a:r>
           </a:p>
           <a:p>
@@ -6980,7 +6941,7 @@
               <a:t>Kommentek </a:t>
             </a:r>
             <a:r>
-              <a:rPr lang="hu-HU" sz="1400" dirty="0" err="1" smtClean="0">
+              <a:rPr lang="hu-HU" sz="1400" dirty="0" smtClean="0">
                 <a:latin typeface="Manrope" pitchFamily="2" charset="0"/>
               </a:rPr>
               <a:t>postolása</a:t>
@@ -7034,8 +6995,8 @@
         </p:blipFill>
         <p:spPr>
           <a:xfrm>
-            <a:off x="971600" y="3789040"/>
-            <a:ext cx="7200800" cy="2856417"/>
+            <a:off x="323528" y="3356992"/>
+            <a:ext cx="4320480" cy="1713850"/>
           </a:xfrm>
           <a:prstGeom prst="rect">
             <a:avLst/>
@@ -7116,6 +7077,87 @@
           </a:p>
         </p:txBody>
       </p:sp>
+      <p:pic>
+        <p:nvPicPr>
+          <p:cNvPr id="6" name="Kép 5" descr="git.gif"/>
+          <p:cNvPicPr>
+            <a:picLocks noChangeAspect="1"/>
+          </p:cNvPicPr>
+          <p:nvPr/>
+        </p:nvPicPr>
+        <p:blipFill>
+          <a:blip r:embed="rId3" cstate="print"/>
+          <a:stretch>
+            <a:fillRect/>
+          </a:stretch>
+        </p:blipFill>
+        <p:spPr>
+          <a:xfrm>
+            <a:off x="5724128" y="4221088"/>
+            <a:ext cx="2069976" cy="2022539"/>
+          </a:xfrm>
+          <a:prstGeom prst="rect">
+            <a:avLst/>
+          </a:prstGeom>
+        </p:spPr>
+      </p:pic>
+      <p:pic>
+        <p:nvPicPr>
+          <p:cNvPr id="7" name="Kép 6" descr="icons8-python-100.png"/>
+          <p:cNvPicPr>
+            <a:picLocks noChangeAspect="1"/>
+          </p:cNvPicPr>
+          <p:nvPr/>
+        </p:nvPicPr>
+        <p:blipFill>
+          <a:blip r:embed="rId4" cstate="print"/>
+          <a:stretch>
+            <a:fillRect/>
+          </a:stretch>
+        </p:blipFill>
+        <p:spPr>
+          <a:xfrm>
+            <a:off x="6732240" y="2375183"/>
+            <a:ext cx="1269841" cy="1269841"/>
+          </a:xfrm>
+          <a:prstGeom prst="rect">
+            <a:avLst/>
+          </a:prstGeom>
+        </p:spPr>
+      </p:pic>
+      <p:pic>
+        <p:nvPicPr>
+          <p:cNvPr id="8" name="Picture 6"/>
+          <p:cNvPicPr>
+            <a:picLocks noChangeAspect="1" noChangeArrowheads="1"/>
+          </p:cNvPicPr>
+          <p:nvPr/>
+        </p:nvPicPr>
+        <p:blipFill>
+          <a:blip r:embed="rId5" cstate="print"/>
+          <a:srcRect/>
+          <a:stretch>
+            <a:fillRect/>
+          </a:stretch>
+        </p:blipFill>
+        <p:spPr bwMode="auto">
+          <a:xfrm>
+            <a:off x="2843808" y="5373216"/>
+            <a:ext cx="1312540" cy="1312540"/>
+          </a:xfrm>
+          <a:prstGeom prst="rect">
+            <a:avLst/>
+          </a:prstGeom>
+          <a:noFill/>
+          <a:ln w="9525">
+            <a:noFill/>
+            <a:miter lim="800000"/>
+            <a:headEnd/>
+            <a:tailEnd/>
+          </a:ln>
+          <a:effectLst/>
+        </p:spPr>
+      </p:pic>
     </p:spTree>
   </p:cSld>
   <p:clrMapOvr>
@@ -7207,7 +7249,7 @@
         </p:nvSpPr>
         <p:spPr>
           <a:xfrm>
-            <a:off x="251520" y="6443795"/>
+            <a:off x="251520" y="6568752"/>
             <a:ext cx="8229600" cy="604664"/>
           </a:xfrm>
         </p:spPr>
@@ -7227,13 +7269,17 @@
                 </a:solidFill>
                 <a:latin typeface="Manrope" pitchFamily="2" charset="0"/>
               </a:rPr>
-              <a:t>Tesztjegyzőkönyv elérhetősége:</a:t>
-            </a:r>
-          </a:p>
-          <a:p>
-            <a:pPr>
-              <a:buNone/>
-            </a:pPr>
+              <a:t>Tesztjegyzőkönyv </a:t>
+            </a:r>
+            <a:r>
+              <a:rPr lang="hu-HU" sz="1000" dirty="0" smtClean="0">
+                <a:solidFill>
+                  <a:schemeClr val="bg1"/>
+                </a:solidFill>
+                <a:latin typeface="Manrope" pitchFamily="2" charset="0"/>
+              </a:rPr>
+              <a:t>elérhetősége: https</a:t>
+            </a:r>
             <a:r>
               <a:rPr lang="hu-HU" sz="1000" dirty="0">
                 <a:solidFill>
@@ -7241,7 +7287,7 @@
                 </a:solidFill>
                 <a:latin typeface="Manrope" pitchFamily="2" charset="0"/>
               </a:rPr>
-              <a:t>https://</a:t>
+              <a:t>://</a:t>
             </a:r>
             <a:r>
               <a:rPr lang="hu-HU" sz="1000" dirty="0" smtClean="0">
@@ -7356,16 +7402,7 @@
                           </a:solidFill>
                           <a:latin typeface="Manrope" pitchFamily="2" charset="0"/>
                         </a:rPr>
-                        <a:t>TC </a:t>
-                      </a:r>
-                      <a:r>
-                        <a:rPr lang="hu-HU" sz="1200" dirty="0" err="1" smtClean="0">
-                          <a:solidFill>
-                            <a:schemeClr val="tx1"/>
-                          </a:solidFill>
-                          <a:latin typeface="Manrope" pitchFamily="2" charset="0"/>
-                        </a:rPr>
-                        <a:t>Title</a:t>
+                        <a:t>TC Title</a:t>
                       </a:r>
                       <a:endParaRPr lang="hu-HU" sz="1200" dirty="0">
                         <a:solidFill>
@@ -7429,16 +7466,7 @@
                           </a:solidFill>
                           <a:latin typeface="Manrope" pitchFamily="2" charset="0"/>
                         </a:rPr>
-                        <a:t>TC </a:t>
-                      </a:r>
-                      <a:r>
-                        <a:rPr lang="hu-HU" sz="1200" dirty="0" err="1" smtClean="0">
-                          <a:solidFill>
-                            <a:schemeClr val="tx1"/>
-                          </a:solidFill>
-                          <a:latin typeface="Manrope" pitchFamily="2" charset="0"/>
-                        </a:rPr>
-                        <a:t>Result</a:t>
+                        <a:t>TC Result</a:t>
                       </a:r>
                       <a:endParaRPr lang="hu-HU" sz="1200" dirty="0">
                         <a:solidFill>
@@ -7496,31 +7524,13 @@
                     <a:lstStyle/>
                     <a:p>
                       <a:r>
-                        <a:rPr lang="hu-HU" sz="1200" dirty="0" err="1" smtClean="0">
-                          <a:solidFill>
-                            <a:schemeClr val="tx1"/>
-                          </a:solidFill>
-                          <a:latin typeface="Manrope" pitchFamily="2" charset="0"/>
-                        </a:rPr>
-                        <a:t>Defect</a:t>
-                      </a:r>
-                      <a:r>
                         <a:rPr lang="hu-HU" sz="1200" dirty="0" smtClean="0">
                           <a:solidFill>
                             <a:schemeClr val="tx1"/>
                           </a:solidFill>
                           <a:latin typeface="Manrope" pitchFamily="2" charset="0"/>
                         </a:rPr>
-                        <a:t> </a:t>
-                      </a:r>
-                      <a:r>
-                        <a:rPr lang="hu-HU" sz="1200" dirty="0" err="1" smtClean="0">
-                          <a:solidFill>
-                            <a:schemeClr val="tx1"/>
-                          </a:solidFill>
-                          <a:latin typeface="Manrope" pitchFamily="2" charset="0"/>
-                        </a:rPr>
-                        <a:t>Description</a:t>
+                        <a:t>Defect Description</a:t>
                       </a:r>
                       <a:endParaRPr lang="hu-HU" sz="1200" dirty="0">
                         <a:solidFill>
@@ -7699,7 +7709,7 @@
                     <a:p>
                       <a:pPr algn="ctr" fontAlgn="ctr"/>
                       <a:r>
-                        <a:rPr lang="hu-HU" sz="900" b="0" i="0" u="none" strike="noStrike" dirty="0" err="1">
+                        <a:rPr lang="hu-HU" sz="900" b="0" i="0" u="none" strike="noStrike" dirty="0">
                           <a:solidFill>
                             <a:schemeClr val="bg1"/>
                           </a:solidFill>
@@ -7707,12 +7717,6 @@
                         </a:rPr>
                         <a:t>Pass</a:t>
                       </a:r>
-                      <a:endParaRPr lang="hu-HU" sz="900" b="0" i="0" u="none" strike="noStrike" dirty="0">
-                        <a:solidFill>
-                          <a:schemeClr val="bg1"/>
-                        </a:solidFill>
-                        <a:latin typeface="Manrope" pitchFamily="2" charset="0"/>
-                      </a:endParaRPr>
                     </a:p>
                   </a:txBody>
                   <a:tcPr marL="9525" marR="9525" marT="9525" marB="0" anchor="ctr">
@@ -7763,7 +7767,7 @@
                     <a:lstStyle/>
                     <a:p>
                       <a:pPr algn="l" fontAlgn="ctr"/>
-                      <a:endParaRPr lang="hu-HU" sz="900" b="0" i="0" u="none" strike="noStrike">
+                      <a:endParaRPr lang="hu-HU" sz="900" b="0" i="0" u="none" strike="noStrike" dirty="0">
                         <a:solidFill>
                           <a:srgbClr val="000000"/>
                         </a:solidFill>
@@ -7822,7 +7826,7 @@
                     <a:p>
                       <a:pPr algn="l" fontAlgn="ctr"/>
                       <a:r>
-                        <a:rPr lang="hu-HU" sz="900" b="0" i="0" u="none" strike="noStrike">
+                        <a:rPr lang="hu-HU" sz="900" b="0" i="0" u="none" strike="noStrike" dirty="0">
                           <a:solidFill>
                             <a:srgbClr val="000000"/>
                           </a:solidFill>
@@ -7940,7 +7944,7 @@
                     <a:p>
                       <a:pPr algn="ctr" fontAlgn="ctr"/>
                       <a:r>
-                        <a:rPr lang="hu-HU" sz="900" b="0" i="0" u="none" strike="noStrike" dirty="0" err="1">
+                        <a:rPr lang="hu-HU" sz="900" b="0" i="0" u="none" strike="noStrike" dirty="0">
                           <a:solidFill>
                             <a:schemeClr val="bg1"/>
                           </a:solidFill>
@@ -7948,12 +7952,6 @@
                         </a:rPr>
                         <a:t>Pass</a:t>
                       </a:r>
-                      <a:endParaRPr lang="hu-HU" sz="900" b="0" i="0" u="none" strike="noStrike" dirty="0">
-                        <a:solidFill>
-                          <a:schemeClr val="bg1"/>
-                        </a:solidFill>
-                        <a:latin typeface="Manrope" pitchFamily="2" charset="0"/>
-                      </a:endParaRPr>
                     </a:p>
                   </a:txBody>
                   <a:tcPr marL="9525" marR="9525" marT="9525" marB="0" anchor="ctr">
@@ -8004,7 +8002,7 @@
                     <a:lstStyle/>
                     <a:p>
                       <a:pPr algn="l" fontAlgn="ctr"/>
-                      <a:endParaRPr lang="hu-HU" sz="900" b="0" i="0" u="none" strike="noStrike">
+                      <a:endParaRPr lang="hu-HU" sz="900" b="0" i="0" u="none" strike="noStrike" dirty="0">
                         <a:solidFill>
                           <a:srgbClr val="000000"/>
                         </a:solidFill>
@@ -8063,7 +8061,7 @@
                     <a:p>
                       <a:pPr algn="l" fontAlgn="ctr"/>
                       <a:r>
-                        <a:rPr lang="hu-HU" sz="900" b="0" i="0" u="none" strike="noStrike">
+                        <a:rPr lang="hu-HU" sz="900" b="0" i="0" u="none" strike="noStrike" dirty="0">
                           <a:solidFill>
                             <a:srgbClr val="000000"/>
                           </a:solidFill>
@@ -8181,7 +8179,7 @@
                     <a:p>
                       <a:pPr algn="ctr" fontAlgn="ctr"/>
                       <a:r>
-                        <a:rPr lang="hu-HU" sz="900" b="0" i="0" u="none" strike="noStrike" dirty="0" err="1">
+                        <a:rPr lang="hu-HU" sz="900" b="0" i="0" u="none" strike="noStrike" dirty="0">
                           <a:solidFill>
                             <a:schemeClr val="bg1"/>
                           </a:solidFill>
@@ -8189,12 +8187,6 @@
                         </a:rPr>
                         <a:t>Pass</a:t>
                       </a:r>
-                      <a:endParaRPr lang="hu-HU" sz="900" b="0" i="0" u="none" strike="noStrike" dirty="0">
-                        <a:solidFill>
-                          <a:schemeClr val="bg1"/>
-                        </a:solidFill>
-                        <a:latin typeface="Manrope" pitchFamily="2" charset="0"/>
-                      </a:endParaRPr>
                     </a:p>
                   </a:txBody>
                   <a:tcPr marL="9525" marR="9525" marT="9525" marB="0" anchor="ctr">
@@ -8245,7 +8237,7 @@
                     <a:lstStyle/>
                     <a:p>
                       <a:pPr algn="l" fontAlgn="ctr"/>
-                      <a:endParaRPr lang="hu-HU" sz="900" b="0" i="0" u="none" strike="noStrike">
+                      <a:endParaRPr lang="hu-HU" sz="900" b="0" i="0" u="none" strike="noStrike" dirty="0">
                         <a:solidFill>
                           <a:srgbClr val="000000"/>
                         </a:solidFill>
@@ -8304,7 +8296,7 @@
                     <a:p>
                       <a:pPr algn="l" fontAlgn="ctr"/>
                       <a:r>
-                        <a:rPr lang="hu-HU" sz="900" b="0" i="0" u="none" strike="noStrike">
+                        <a:rPr lang="hu-HU" sz="900" b="0" i="0" u="none" strike="noStrike" dirty="0">
                           <a:solidFill>
                             <a:srgbClr val="000000"/>
                           </a:solidFill>
@@ -8422,7 +8414,7 @@
                     <a:p>
                       <a:pPr algn="ctr" fontAlgn="ctr"/>
                       <a:r>
-                        <a:rPr lang="hu-HU" sz="900" b="0" i="0" u="none" strike="noStrike" dirty="0" err="1">
+                        <a:rPr lang="hu-HU" sz="900" b="0" i="0" u="none" strike="noStrike" dirty="0">
                           <a:solidFill>
                             <a:schemeClr val="bg1"/>
                           </a:solidFill>
@@ -8430,12 +8422,6 @@
                         </a:rPr>
                         <a:t>Pass</a:t>
                       </a:r>
-                      <a:endParaRPr lang="hu-HU" sz="900" b="0" i="0" u="none" strike="noStrike" dirty="0">
-                        <a:solidFill>
-                          <a:schemeClr val="bg1"/>
-                        </a:solidFill>
-                        <a:latin typeface="Manrope" pitchFamily="2" charset="0"/>
-                      </a:endParaRPr>
                     </a:p>
                   </a:txBody>
                   <a:tcPr marL="9525" marR="9525" marT="9525" marB="0" anchor="ctr">
@@ -8486,7 +8472,7 @@
                     <a:lstStyle/>
                     <a:p>
                       <a:pPr algn="l" fontAlgn="ctr"/>
-                      <a:endParaRPr lang="hu-HU" sz="900" b="0" i="0" u="none" strike="noStrike">
+                      <a:endParaRPr lang="hu-HU" sz="900" b="0" i="0" u="none" strike="noStrike" dirty="0">
                         <a:solidFill>
                           <a:srgbClr val="000000"/>
                         </a:solidFill>
@@ -8545,7 +8531,7 @@
                     <a:p>
                       <a:pPr algn="l" fontAlgn="ctr"/>
                       <a:r>
-                        <a:rPr lang="hu-HU" sz="900" b="0" i="0" u="none" strike="noStrike">
+                        <a:rPr lang="hu-HU" sz="900" b="0" i="0" u="none" strike="noStrike" dirty="0">
                           <a:solidFill>
                             <a:srgbClr val="000000"/>
                           </a:solidFill>
@@ -8663,7 +8649,7 @@
                     <a:p>
                       <a:pPr algn="ctr" fontAlgn="ctr"/>
                       <a:r>
-                        <a:rPr lang="hu-HU" sz="900" b="0" i="0" u="none" strike="noStrike" dirty="0" err="1">
+                        <a:rPr lang="hu-HU" sz="900" b="0" i="0" u="none" strike="noStrike" dirty="0">
                           <a:solidFill>
                             <a:schemeClr val="bg1"/>
                           </a:solidFill>
@@ -8671,12 +8657,6 @@
                         </a:rPr>
                         <a:t>Pass</a:t>
                       </a:r>
-                      <a:endParaRPr lang="hu-HU" sz="900" b="0" i="0" u="none" strike="noStrike" dirty="0">
-                        <a:solidFill>
-                          <a:schemeClr val="bg1"/>
-                        </a:solidFill>
-                        <a:latin typeface="Manrope" pitchFamily="2" charset="0"/>
-                      </a:endParaRPr>
                     </a:p>
                   </a:txBody>
                   <a:tcPr marL="9525" marR="9525" marT="9525" marB="0" anchor="ctr">
@@ -8786,7 +8766,7 @@
                     <a:p>
                       <a:pPr algn="l" fontAlgn="ctr"/>
                       <a:r>
-                        <a:rPr lang="hu-HU" sz="900" b="0" i="0" u="none" strike="noStrike">
+                        <a:rPr lang="hu-HU" sz="900" b="0" i="0" u="none" strike="noStrike" dirty="0">
                           <a:solidFill>
                             <a:srgbClr val="000000"/>
                           </a:solidFill>
@@ -8904,7 +8884,7 @@
                     <a:p>
                       <a:pPr algn="ctr" fontAlgn="ctr"/>
                       <a:r>
-                        <a:rPr lang="hu-HU" sz="900" b="0" i="0" u="none" strike="noStrike" dirty="0" err="1">
+                        <a:rPr lang="hu-HU" sz="900" b="0" i="0" u="none" strike="noStrike" dirty="0">
                           <a:solidFill>
                             <a:schemeClr val="bg1"/>
                           </a:solidFill>
@@ -8912,12 +8892,6 @@
                         </a:rPr>
                         <a:t>Pass</a:t>
                       </a:r>
-                      <a:endParaRPr lang="hu-HU" sz="900" b="0" i="0" u="none" strike="noStrike" dirty="0">
-                        <a:solidFill>
-                          <a:schemeClr val="bg1"/>
-                        </a:solidFill>
-                        <a:latin typeface="Manrope" pitchFamily="2" charset="0"/>
-                      </a:endParaRPr>
                     </a:p>
                   </a:txBody>
                   <a:tcPr marL="9525" marR="9525" marT="9525" marB="0" anchor="ctr">
@@ -9027,7 +9001,7 @@
                     <a:p>
                       <a:pPr algn="l" fontAlgn="ctr"/>
                       <a:r>
-                        <a:rPr lang="hu-HU" sz="900" b="0" i="0" u="none" strike="noStrike">
+                        <a:rPr lang="hu-HU" sz="900" b="0" i="0" u="none" strike="noStrike" dirty="0">
                           <a:solidFill>
                             <a:srgbClr val="000000"/>
                           </a:solidFill>
@@ -9104,22 +9078,13 @@
                         <a:t> </a:t>
                       </a:r>
                       <a:r>
-                        <a:rPr lang="hu-HU" sz="900" b="0" i="0" u="none" strike="noStrike" dirty="0" err="1" smtClean="0">
-                          <a:solidFill>
-                            <a:srgbClr val="000000"/>
-                          </a:solidFill>
-                          <a:latin typeface="Manrope" pitchFamily="2" charset="0"/>
-                        </a:rPr>
-                        <a:t>blogbejegyzés</a:t>
-                      </a:r>
-                      <a:r>
                         <a:rPr lang="hu-HU" sz="900" b="0" i="0" u="none" strike="noStrike" dirty="0" smtClean="0">
                           <a:solidFill>
                             <a:srgbClr val="000000"/>
                           </a:solidFill>
                           <a:latin typeface="Manrope" pitchFamily="2" charset="0"/>
                         </a:rPr>
-                        <a:t>  létrehozása </a:t>
+                        <a:t>blogbejegyzés  létrehozása </a:t>
                       </a:r>
                       <a:r>
                         <a:rPr lang="hu-HU" sz="900" b="0" i="0" u="none" strike="noStrike" dirty="0">
@@ -9199,7 +9164,7 @@
                     <a:p>
                       <a:pPr algn="ctr" fontAlgn="ctr"/>
                       <a:r>
-                        <a:rPr lang="hu-HU" sz="900" b="0" i="0" u="none" strike="noStrike" dirty="0" err="1">
+                        <a:rPr lang="hu-HU" sz="900" b="0" i="0" u="none" strike="noStrike" dirty="0">
                           <a:solidFill>
                             <a:schemeClr val="bg1"/>
                           </a:solidFill>
@@ -9207,12 +9172,6 @@
                         </a:rPr>
                         <a:t>Pass</a:t>
                       </a:r>
-                      <a:endParaRPr lang="hu-HU" sz="900" b="0" i="0" u="none" strike="noStrike" dirty="0">
-                        <a:solidFill>
-                          <a:schemeClr val="bg1"/>
-                        </a:solidFill>
-                        <a:latin typeface="Manrope" pitchFamily="2" charset="0"/>
-                      </a:endParaRPr>
                     </a:p>
                   </a:txBody>
                   <a:tcPr marL="9525" marR="9525" marT="9525" marB="0" anchor="ctr">
@@ -9322,7 +9281,7 @@
                     <a:p>
                       <a:pPr algn="l" fontAlgn="ctr"/>
                       <a:r>
-                        <a:rPr lang="hu-HU" sz="900" b="0" i="0" u="none" strike="noStrike">
+                        <a:rPr lang="hu-HU" sz="900" b="0" i="0" u="none" strike="noStrike" dirty="0">
                           <a:solidFill>
                             <a:srgbClr val="000000"/>
                           </a:solidFill>
@@ -9381,7 +9340,7 @@
                     <a:p>
                       <a:pPr algn="l" fontAlgn="ctr"/>
                       <a:r>
-                        <a:rPr lang="hu-HU" sz="900" b="0" i="0" u="none" strike="noStrike">
+                        <a:rPr lang="hu-HU" sz="900" b="0" i="0" u="none" strike="noStrike" dirty="0">
                           <a:solidFill>
                             <a:srgbClr val="000000"/>
                           </a:solidFill>
@@ -9440,7 +9399,7 @@
                     <a:p>
                       <a:pPr algn="ctr" fontAlgn="ctr"/>
                       <a:r>
-                        <a:rPr lang="hu-HU" sz="900" b="1" i="0" u="none" strike="noStrike" dirty="0" err="1">
+                        <a:rPr lang="hu-HU" sz="900" b="1" i="0" u="none" strike="noStrike" dirty="0">
                           <a:solidFill>
                             <a:srgbClr val="FFFFFF"/>
                           </a:solidFill>
@@ -9448,12 +9407,6 @@
                         </a:rPr>
                         <a:t>Fail</a:t>
                       </a:r>
-                      <a:endParaRPr lang="hu-HU" sz="900" b="1" i="0" u="none" strike="noStrike" dirty="0">
-                        <a:solidFill>
-                          <a:srgbClr val="FFFFFF"/>
-                        </a:solidFill>
-                        <a:latin typeface="Manrope" pitchFamily="2" charset="0"/>
-                      </a:endParaRPr>
                     </a:p>
                   </a:txBody>
                   <a:tcPr marL="9525" marR="9525" marT="9525" marB="0" anchor="ctr">
@@ -9566,7 +9519,7 @@
                     <a:p>
                       <a:pPr algn="l" fontAlgn="ctr"/>
                       <a:r>
-                        <a:rPr lang="hu-HU" sz="900" b="0" i="0" u="none" strike="noStrike">
+                        <a:rPr lang="hu-HU" sz="900" b="0" i="0" u="none" strike="noStrike" dirty="0">
                           <a:solidFill>
                             <a:srgbClr val="000000"/>
                           </a:solidFill>
@@ -9625,7 +9578,7 @@
                     <a:p>
                       <a:pPr algn="l" fontAlgn="ctr"/>
                       <a:r>
-                        <a:rPr lang="hu-HU" sz="900" b="0" i="0" u="none" strike="noStrike">
+                        <a:rPr lang="hu-HU" sz="900" b="0" i="0" u="none" strike="noStrike" dirty="0">
                           <a:solidFill>
                             <a:srgbClr val="000000"/>
                           </a:solidFill>
@@ -9684,7 +9637,7 @@
                     <a:p>
                       <a:pPr algn="ctr" fontAlgn="ctr"/>
                       <a:r>
-                        <a:rPr lang="hu-HU" sz="900" b="0" i="0" u="none" strike="noStrike" dirty="0" err="1">
+                        <a:rPr lang="hu-HU" sz="900" b="0" i="0" u="none" strike="noStrike" dirty="0">
                           <a:solidFill>
                             <a:schemeClr val="bg1"/>
                           </a:solidFill>
@@ -9692,12 +9645,6 @@
                         </a:rPr>
                         <a:t>Pass</a:t>
                       </a:r>
-                      <a:endParaRPr lang="hu-HU" sz="900" b="0" i="0" u="none" strike="noStrike" dirty="0">
-                        <a:solidFill>
-                          <a:schemeClr val="bg1"/>
-                        </a:solidFill>
-                        <a:latin typeface="Manrope" pitchFamily="2" charset="0"/>
-                      </a:endParaRPr>
                     </a:p>
                   </a:txBody>
                   <a:tcPr marL="9525" marR="9525" marT="9525" marB="0" anchor="ctr">
@@ -9807,7 +9754,7 @@
                     <a:p>
                       <a:pPr algn="l" fontAlgn="ctr"/>
                       <a:r>
-                        <a:rPr lang="hu-HU" sz="900" b="0" i="0" u="none" strike="noStrike">
+                        <a:rPr lang="hu-HU" sz="900" b="0" i="0" u="none" strike="noStrike" dirty="0">
                           <a:solidFill>
                             <a:srgbClr val="000000"/>
                           </a:solidFill>
@@ -9866,7 +9813,7 @@
                     <a:p>
                       <a:pPr algn="l" fontAlgn="ctr"/>
                       <a:r>
-                        <a:rPr lang="hu-HU" sz="900" b="0" i="0" u="none" strike="noStrike">
+                        <a:rPr lang="hu-HU" sz="900" b="0" i="0" u="none" strike="noStrike" dirty="0">
                           <a:solidFill>
                             <a:srgbClr val="000000"/>
                           </a:solidFill>
@@ -9925,7 +9872,7 @@
                     <a:p>
                       <a:pPr algn="ctr" fontAlgn="ctr"/>
                       <a:r>
-                        <a:rPr lang="hu-HU" sz="900" b="0" i="0" u="none" strike="noStrike" dirty="0" err="1">
+                        <a:rPr lang="hu-HU" sz="900" b="0" i="0" u="none" strike="noStrike" dirty="0">
                           <a:solidFill>
                             <a:schemeClr val="bg1"/>
                           </a:solidFill>
@@ -9933,12 +9880,6 @@
                         </a:rPr>
                         <a:t>Pass</a:t>
                       </a:r>
-                      <a:endParaRPr lang="hu-HU" sz="900" b="0" i="0" u="none" strike="noStrike" dirty="0">
-                        <a:solidFill>
-                          <a:schemeClr val="bg1"/>
-                        </a:solidFill>
-                        <a:latin typeface="Manrope" pitchFamily="2" charset="0"/>
-                      </a:endParaRPr>
                     </a:p>
                   </a:txBody>
                   <a:tcPr marL="9525" marR="9525" marT="9525" marB="0" anchor="ctr">
@@ -10048,7 +9989,7 @@
                     <a:p>
                       <a:pPr algn="l" fontAlgn="ctr"/>
                       <a:r>
-                        <a:rPr lang="hu-HU" sz="900" b="0" i="0" u="none" strike="noStrike">
+                        <a:rPr lang="hu-HU" sz="900" b="0" i="0" u="none" strike="noStrike" dirty="0">
                           <a:solidFill>
                             <a:srgbClr val="000000"/>
                           </a:solidFill>
@@ -10107,7 +10048,7 @@
                     <a:p>
                       <a:pPr algn="l" fontAlgn="ctr"/>
                       <a:r>
-                        <a:rPr lang="hu-HU" sz="900" b="0" i="0" u="none" strike="noStrike">
+                        <a:rPr lang="hu-HU" sz="900" b="0" i="0" u="none" strike="noStrike" dirty="0">
                           <a:solidFill>
                             <a:srgbClr val="000000"/>
                           </a:solidFill>
@@ -10166,7 +10107,7 @@
                     <a:p>
                       <a:pPr algn="ctr" fontAlgn="ctr"/>
                       <a:r>
-                        <a:rPr lang="hu-HU" sz="900" b="0" i="0" u="none" strike="noStrike" dirty="0" err="1">
+                        <a:rPr lang="hu-HU" sz="900" b="0" i="0" u="none" strike="noStrike" dirty="0">
                           <a:solidFill>
                             <a:schemeClr val="bg1"/>
                           </a:solidFill>
@@ -10174,12 +10115,6 @@
                         </a:rPr>
                         <a:t>Pass</a:t>
                       </a:r>
-                      <a:endParaRPr lang="hu-HU" sz="900" b="0" i="0" u="none" strike="noStrike" dirty="0">
-                        <a:solidFill>
-                          <a:schemeClr val="bg1"/>
-                        </a:solidFill>
-                        <a:latin typeface="Manrope" pitchFamily="2" charset="0"/>
-                      </a:endParaRPr>
                     </a:p>
                   </a:txBody>
                   <a:tcPr marL="9525" marR="9525" marT="9525" marB="0" anchor="ctr">
@@ -10289,7 +10224,7 @@
                     <a:p>
                       <a:pPr algn="l" fontAlgn="ctr"/>
                       <a:r>
-                        <a:rPr lang="hu-HU" sz="900" b="0" i="0" u="none" strike="noStrike">
+                        <a:rPr lang="hu-HU" sz="900" b="0" i="0" u="none" strike="noStrike" dirty="0">
                           <a:solidFill>
                             <a:srgbClr val="000000"/>
                           </a:solidFill>
@@ -10354,25 +10289,7 @@
                           </a:solidFill>
                           <a:latin typeface="Manrope" pitchFamily="2" charset="0"/>
                         </a:rPr>
-                        <a:t>Bejelentkezett felhasználó </a:t>
-                      </a:r>
-                      <a:r>
-                        <a:rPr lang="hu-HU" sz="900" b="0" i="0" u="none" strike="noStrike" dirty="0" err="1">
-                          <a:solidFill>
-                            <a:srgbClr val="000000"/>
-                          </a:solidFill>
-                          <a:latin typeface="Manrope" pitchFamily="2" charset="0"/>
-                        </a:rPr>
-                        <a:t>username</a:t>
-                      </a:r>
-                      <a:r>
-                        <a:rPr lang="hu-HU" sz="900" b="0" i="0" u="none" strike="noStrike" dirty="0">
-                          <a:solidFill>
-                            <a:srgbClr val="000000"/>
-                          </a:solidFill>
-                          <a:latin typeface="Manrope" pitchFamily="2" charset="0"/>
-                        </a:rPr>
-                        <a:t> adatának módosítása - pozitív ág</a:t>
+                        <a:t>Bejelentkezett felhasználó username adatának módosítása - pozitív ág</a:t>
                       </a:r>
                     </a:p>
                   </a:txBody>
@@ -10425,7 +10342,7 @@
                     <a:p>
                       <a:pPr algn="ctr" fontAlgn="ctr"/>
                       <a:r>
-                        <a:rPr lang="hu-HU" sz="900" b="0" i="0" u="none" strike="noStrike" dirty="0" err="1">
+                        <a:rPr lang="hu-HU" sz="900" b="0" i="0" u="none" strike="noStrike" dirty="0">
                           <a:solidFill>
                             <a:schemeClr val="bg1"/>
                           </a:solidFill>
@@ -10433,12 +10350,6 @@
                         </a:rPr>
                         <a:t>Pass</a:t>
                       </a:r>
-                      <a:endParaRPr lang="hu-HU" sz="900" b="0" i="0" u="none" strike="noStrike" dirty="0">
-                        <a:solidFill>
-                          <a:schemeClr val="bg1"/>
-                        </a:solidFill>
-                        <a:latin typeface="Manrope" pitchFamily="2" charset="0"/>
-                      </a:endParaRPr>
                     </a:p>
                   </a:txBody>
                   <a:tcPr marL="9525" marR="9525" marT="9525" marB="0" anchor="ctr">
@@ -10548,7 +10459,7 @@
                     <a:p>
                       <a:pPr algn="l" fontAlgn="ctr"/>
                       <a:r>
-                        <a:rPr lang="hu-HU" sz="900" b="0" i="0" u="none" strike="noStrike">
+                        <a:rPr lang="hu-HU" sz="900" b="0" i="0" u="none" strike="noStrike" dirty="0">
                           <a:solidFill>
                             <a:srgbClr val="000000"/>
                           </a:solidFill>
@@ -10607,13 +10518,31 @@
                     <a:p>
                       <a:pPr algn="l" fontAlgn="ctr"/>
                       <a:r>
-                        <a:rPr lang="hu-HU" sz="900" b="0" i="0" u="none" strike="noStrike">
+                        <a:rPr lang="hu-HU" sz="900" b="0" i="0" u="none" strike="noStrike" dirty="0">
                           <a:solidFill>
                             <a:srgbClr val="000000"/>
                           </a:solidFill>
                           <a:latin typeface="Manrope" pitchFamily="2" charset="0"/>
                         </a:rPr>
-                        <a:t>Bejelentkezett felhasználóhoz tartozó blogbejegyzés módosítása -pozitív ág</a:t>
+                        <a:t>Bejelentkezett felhasználóhoz tartozó blogbejegyzés módosítása </a:t>
+                      </a:r>
+                      <a:r>
+                        <a:rPr lang="hu-HU" sz="900" b="0" i="0" u="none" strike="noStrike" dirty="0" smtClean="0">
+                          <a:solidFill>
+                            <a:srgbClr val="000000"/>
+                          </a:solidFill>
+                          <a:latin typeface="Manrope" pitchFamily="2" charset="0"/>
+                        </a:rPr>
+                        <a:t>- pozitív </a:t>
+                      </a:r>
+                      <a:r>
+                        <a:rPr lang="hu-HU" sz="900" b="0" i="0" u="none" strike="noStrike" dirty="0">
+                          <a:solidFill>
+                            <a:srgbClr val="000000"/>
+                          </a:solidFill>
+                          <a:latin typeface="Manrope" pitchFamily="2" charset="0"/>
+                        </a:rPr>
+                        <a:t>ág</a:t>
                       </a:r>
                     </a:p>
                   </a:txBody>
@@ -10666,7 +10595,7 @@
                     <a:p>
                       <a:pPr algn="ctr" fontAlgn="ctr"/>
                       <a:r>
-                        <a:rPr lang="hu-HU" sz="900" b="0" i="0" u="none" strike="noStrike" dirty="0" err="1">
+                        <a:rPr lang="hu-HU" sz="900" b="0" i="0" u="none" strike="noStrike" dirty="0">
                           <a:solidFill>
                             <a:schemeClr val="bg1"/>
                           </a:solidFill>
@@ -10674,12 +10603,6 @@
                         </a:rPr>
                         <a:t>Pass</a:t>
                       </a:r>
-                      <a:endParaRPr lang="hu-HU" sz="900" b="0" i="0" u="none" strike="noStrike" dirty="0">
-                        <a:solidFill>
-                          <a:schemeClr val="bg1"/>
-                        </a:solidFill>
-                        <a:latin typeface="Manrope" pitchFamily="2" charset="0"/>
-                      </a:endParaRPr>
                     </a:p>
                   </a:txBody>
                   <a:tcPr marL="9525" marR="9525" marT="9525" marB="0" anchor="ctr">
@@ -10789,7 +10712,7 @@
                     <a:p>
                       <a:pPr algn="l" fontAlgn="ctr"/>
                       <a:r>
-                        <a:rPr lang="hu-HU" sz="900" b="0" i="0" u="none" strike="noStrike">
+                        <a:rPr lang="hu-HU" sz="900" b="0" i="0" u="none" strike="noStrike" dirty="0">
                           <a:solidFill>
                             <a:srgbClr val="000000"/>
                           </a:solidFill>
@@ -10848,7 +10771,7 @@
                     <a:p>
                       <a:pPr algn="l" fontAlgn="ctr"/>
                       <a:r>
-                        <a:rPr lang="hu-HU" sz="900" b="0" i="0" u="none" strike="noStrike">
+                        <a:rPr lang="hu-HU" sz="900" b="0" i="0" u="none" strike="noStrike" dirty="0">
                           <a:solidFill>
                             <a:srgbClr val="000000"/>
                           </a:solidFill>
@@ -10907,7 +10830,7 @@
                     <a:p>
                       <a:pPr algn="ctr" fontAlgn="ctr"/>
                       <a:r>
-                        <a:rPr lang="hu-HU" sz="900" b="1" i="0" u="none" strike="noStrike" dirty="0" err="1">
+                        <a:rPr lang="hu-HU" sz="900" b="1" i="0" u="none" strike="noStrike" dirty="0">
                           <a:solidFill>
                             <a:schemeClr val="bg1"/>
                           </a:solidFill>
@@ -10915,12 +10838,6 @@
                         </a:rPr>
                         <a:t>Fail</a:t>
                       </a:r>
-                      <a:endParaRPr lang="hu-HU" sz="900" b="1" i="0" u="none" strike="noStrike" dirty="0">
-                        <a:solidFill>
-                          <a:schemeClr val="bg1"/>
-                        </a:solidFill>
-                        <a:latin typeface="Manrope" pitchFamily="2" charset="0"/>
-                      </a:endParaRPr>
                     </a:p>
                   </a:txBody>
                   <a:tcPr marL="9525" marR="9525" marT="9525" marB="0" anchor="ctr">
@@ -10978,25 +10895,7 @@
                           </a:solidFill>
                           <a:latin typeface="Manrope" pitchFamily="2" charset="0"/>
                         </a:rPr>
-                        <a:t>CON_BT_002: A bejelentkezett felhasználó menü alatt, ha nincsen a felhasználóhoz tartozó </a:t>
-                      </a:r>
-                      <a:r>
-                        <a:rPr lang="hu-HU" sz="900" b="0" i="0" u="none" strike="noStrike" dirty="0" err="1">
-                          <a:solidFill>
-                            <a:srgbClr val="000000"/>
-                          </a:solidFill>
-                          <a:latin typeface="Manrope" pitchFamily="2" charset="0"/>
-                        </a:rPr>
-                        <a:t>blogbejegyzés</a:t>
-                      </a:r>
-                      <a:r>
-                        <a:rPr lang="hu-HU" sz="900" b="0" i="0" u="none" strike="noStrike" dirty="0">
-                          <a:solidFill>
-                            <a:srgbClr val="000000"/>
-                          </a:solidFill>
-                          <a:latin typeface="Manrope" pitchFamily="2" charset="0"/>
-                        </a:rPr>
-                        <a:t>, akkor az oldalon szereplő összes bejegyzés felsorolásra kerül. Oldal frissítése után írja ki az oldal, hogy nincs cikk itt még.</a:t>
+                        <a:t>CON_BT_002: A bejelentkezett felhasználó menü alatt, ha nincsen a felhasználóhoz tartozó blogbejegyzés, akkor az oldalon szereplő összes bejegyzés felsorolásra kerül. Oldal frissítése után írja ki az oldal, hogy nincs cikk itt még.</a:t>
                       </a:r>
                     </a:p>
                   </a:txBody>
@@ -11051,7 +10950,7 @@
                     <a:p>
                       <a:pPr algn="l" fontAlgn="ctr"/>
                       <a:r>
-                        <a:rPr lang="hu-HU" sz="900" b="0" i="0" u="none" strike="noStrike">
+                        <a:rPr lang="hu-HU" sz="900" b="0" i="0" u="none" strike="noStrike" dirty="0">
                           <a:solidFill>
                             <a:srgbClr val="000000"/>
                           </a:solidFill>
@@ -11110,7 +11009,7 @@
                     <a:p>
                       <a:pPr algn="l" fontAlgn="ctr"/>
                       <a:r>
-                        <a:rPr lang="hu-HU" sz="900" b="0" i="0" u="none" strike="noStrike">
+                        <a:rPr lang="hu-HU" sz="900" b="0" i="0" u="none" strike="noStrike" dirty="0">
                           <a:solidFill>
                             <a:srgbClr val="000000"/>
                           </a:solidFill>
@@ -11169,7 +11068,7 @@
                     <a:p>
                       <a:pPr algn="ctr" fontAlgn="ctr"/>
                       <a:r>
-                        <a:rPr lang="hu-HU" sz="900" b="0" i="0" u="none" strike="noStrike" dirty="0" err="1">
+                        <a:rPr lang="hu-HU" sz="900" b="0" i="0" u="none" strike="noStrike" dirty="0">
                           <a:solidFill>
                             <a:schemeClr val="bg1"/>
                           </a:solidFill>
@@ -11177,12 +11076,6 @@
                         </a:rPr>
                         <a:t>Pass</a:t>
                       </a:r>
-                      <a:endParaRPr lang="hu-HU" sz="900" b="0" i="0" u="none" strike="noStrike" dirty="0">
-                        <a:solidFill>
-                          <a:schemeClr val="bg1"/>
-                        </a:solidFill>
-                        <a:latin typeface="Manrope" pitchFamily="2" charset="0"/>
-                      </a:endParaRPr>
                     </a:p>
                   </a:txBody>
                   <a:tcPr marL="9525" marR="9525" marT="9525" marB="0" anchor="ctr">
@@ -11292,7 +11185,7 @@
                     <a:p>
                       <a:pPr algn="l" fontAlgn="ctr"/>
                       <a:r>
-                        <a:rPr lang="hu-HU" sz="900" b="0" i="0" u="none" strike="noStrike">
+                        <a:rPr lang="hu-HU" sz="900" b="0" i="0" u="none" strike="noStrike" dirty="0">
                           <a:solidFill>
                             <a:srgbClr val="000000"/>
                           </a:solidFill>
@@ -11410,7 +11303,7 @@
                     <a:p>
                       <a:pPr algn="ctr" fontAlgn="ctr"/>
                       <a:r>
-                        <a:rPr lang="hu-HU" sz="900" b="0" i="0" u="none" strike="noStrike" dirty="0" err="1">
+                        <a:rPr lang="hu-HU" sz="900" b="0" i="0" u="none" strike="noStrike" dirty="0">
                           <a:solidFill>
                             <a:schemeClr val="bg1"/>
                           </a:solidFill>
@@ -11418,12 +11311,6 @@
                         </a:rPr>
                         <a:t>Pass</a:t>
                       </a:r>
-                      <a:endParaRPr lang="hu-HU" sz="900" b="0" i="0" u="none" strike="noStrike" dirty="0">
-                        <a:solidFill>
-                          <a:schemeClr val="bg1"/>
-                        </a:solidFill>
-                        <a:latin typeface="Manrope" pitchFamily="2" charset="0"/>
-                      </a:endParaRPr>
                     </a:p>
                   </a:txBody>
                   <a:tcPr marL="9525" marR="9525" marT="9525" marB="0" anchor="ctr">
@@ -11533,7 +11420,7 @@
                     <a:p>
                       <a:pPr algn="l" fontAlgn="ctr"/>
                       <a:r>
-                        <a:rPr lang="hu-HU" sz="900" b="0" i="0" u="none" strike="noStrike">
+                        <a:rPr lang="hu-HU" sz="900" b="0" i="0" u="none" strike="noStrike" dirty="0">
                           <a:solidFill>
                             <a:srgbClr val="000000"/>
                           </a:solidFill>
@@ -11592,13 +11479,31 @@
                     <a:p>
                       <a:pPr algn="l" fontAlgn="ctr"/>
                       <a:r>
-                        <a:rPr lang="hu-HU" sz="900" b="0" i="0" u="none" strike="noStrike">
+                        <a:rPr lang="hu-HU" sz="900" b="0" i="0" u="none" strike="noStrike" dirty="0">
                           <a:solidFill>
                             <a:srgbClr val="000000"/>
                           </a:solidFill>
                           <a:latin typeface="Manrope" pitchFamily="2" charset="0"/>
                         </a:rPr>
-                        <a:t>Új blogbejegyzés létrehozása üres mezőkkel - negíatív ág</a:t>
+                        <a:t>Új blogbejegyzés létrehozása üres mezőkkel - </a:t>
+                      </a:r>
+                      <a:r>
+                        <a:rPr lang="hu-HU" sz="900" b="0" i="0" u="none" strike="noStrike" dirty="0" smtClean="0">
+                          <a:solidFill>
+                            <a:srgbClr val="000000"/>
+                          </a:solidFill>
+                          <a:latin typeface="Manrope" pitchFamily="2" charset="0"/>
+                        </a:rPr>
+                        <a:t>negatív </a:t>
+                      </a:r>
+                      <a:r>
+                        <a:rPr lang="hu-HU" sz="900" b="0" i="0" u="none" strike="noStrike" dirty="0">
+                          <a:solidFill>
+                            <a:srgbClr val="000000"/>
+                          </a:solidFill>
+                          <a:latin typeface="Manrope" pitchFamily="2" charset="0"/>
+                        </a:rPr>
+                        <a:t>ág</a:t>
                       </a:r>
                     </a:p>
                   </a:txBody>
@@ -11651,7 +11556,7 @@
                     <a:p>
                       <a:pPr algn="ctr" fontAlgn="ctr"/>
                       <a:r>
-                        <a:rPr lang="hu-HU" sz="900" b="1" i="0" u="none" strike="noStrike" dirty="0" err="1">
+                        <a:rPr lang="hu-HU" sz="900" b="1" i="0" u="none" strike="noStrike" dirty="0">
                           <a:solidFill>
                             <a:srgbClr val="FFFFFF"/>
                           </a:solidFill>
@@ -11659,12 +11564,6 @@
                         </a:rPr>
                         <a:t>Fail</a:t>
                       </a:r>
-                      <a:endParaRPr lang="hu-HU" sz="900" b="1" i="0" u="none" strike="noStrike" dirty="0">
-                        <a:solidFill>
-                          <a:srgbClr val="FFFFFF"/>
-                        </a:solidFill>
-                        <a:latin typeface="Manrope" pitchFamily="2" charset="0"/>
-                      </a:endParaRPr>
                     </a:p>
                   </a:txBody>
                   <a:tcPr marL="9525" marR="9525" marT="9525" marB="0" anchor="ctr">
@@ -11777,7 +11676,7 @@
                     <a:p>
                       <a:pPr algn="l" fontAlgn="ctr"/>
                       <a:r>
-                        <a:rPr lang="hu-HU" sz="900" b="0" i="0" u="none" strike="noStrike">
+                        <a:rPr lang="hu-HU" sz="900" b="0" i="0" u="none" strike="noStrike" dirty="0">
                           <a:solidFill>
                             <a:srgbClr val="000000"/>
                           </a:solidFill>
@@ -11836,7 +11735,7 @@
                     <a:p>
                       <a:pPr algn="l" fontAlgn="ctr"/>
                       <a:r>
-                        <a:rPr lang="hu-HU" sz="900" b="0" i="0" u="none" strike="noStrike">
+                        <a:rPr lang="hu-HU" sz="900" b="0" i="0" u="none" strike="noStrike" dirty="0">
                           <a:solidFill>
                             <a:srgbClr val="000000"/>
                           </a:solidFill>
@@ -11895,7 +11794,7 @@
                     <a:p>
                       <a:pPr algn="ctr" fontAlgn="ctr"/>
                       <a:r>
-                        <a:rPr lang="hu-HU" sz="900" b="1" i="0" u="none" strike="noStrike" dirty="0" err="1">
+                        <a:rPr lang="hu-HU" sz="900" b="1" i="0" u="none" strike="noStrike" dirty="0">
                           <a:solidFill>
                             <a:srgbClr val="FFFFFF"/>
                           </a:solidFill>
@@ -11903,12 +11802,6 @@
                         </a:rPr>
                         <a:t>Fail</a:t>
                       </a:r>
-                      <a:endParaRPr lang="hu-HU" sz="900" b="1" i="0" u="none" strike="noStrike" dirty="0">
-                        <a:solidFill>
-                          <a:srgbClr val="FFFFFF"/>
-                        </a:solidFill>
-                        <a:latin typeface="Manrope" pitchFamily="2" charset="0"/>
-                      </a:endParaRPr>
                     </a:p>
                   </a:txBody>
                   <a:tcPr marL="9525" marR="9525" marT="9525" marB="0" anchor="ctr">
@@ -12021,7 +11914,7 @@
                     <a:p>
                       <a:pPr algn="l" fontAlgn="ctr"/>
                       <a:r>
-                        <a:rPr lang="hu-HU" sz="900" b="0" i="0" u="none" strike="noStrike">
+                        <a:rPr lang="hu-HU" sz="900" b="0" i="0" u="none" strike="noStrike" dirty="0">
                           <a:solidFill>
                             <a:srgbClr val="000000"/>
                           </a:solidFill>
@@ -12080,7 +11973,7 @@
                     <a:p>
                       <a:pPr algn="l" fontAlgn="ctr"/>
                       <a:r>
-                        <a:rPr lang="hu-HU" sz="900" b="0" i="0" u="none" strike="noStrike">
+                        <a:rPr lang="hu-HU" sz="900" b="0" i="0" u="none" strike="noStrike" dirty="0">
                           <a:solidFill>
                             <a:srgbClr val="000000"/>
                           </a:solidFill>
@@ -12139,7 +12032,7 @@
                     <a:p>
                       <a:pPr algn="ctr" fontAlgn="ctr"/>
                       <a:r>
-                        <a:rPr lang="hu-HU" sz="900" b="1" i="0" u="none" strike="noStrike" dirty="0" err="1">
+                        <a:rPr lang="hu-HU" sz="900" b="1" i="0" u="none" strike="noStrike" dirty="0">
                           <a:solidFill>
                             <a:srgbClr val="FFFFFF"/>
                           </a:solidFill>
@@ -12147,12 +12040,6 @@
                         </a:rPr>
                         <a:t>Fail</a:t>
                       </a:r>
-                      <a:endParaRPr lang="hu-HU" sz="900" b="1" i="0" u="none" strike="noStrike" dirty="0">
-                        <a:solidFill>
-                          <a:srgbClr val="FFFFFF"/>
-                        </a:solidFill>
-                        <a:latin typeface="Manrope" pitchFamily="2" charset="0"/>
-                      </a:endParaRPr>
                     </a:p>
                   </a:txBody>
                   <a:tcPr marL="9525" marR="9525" marT="9525" marB="0" anchor="ctr">
@@ -12265,7 +12152,7 @@
                     <a:p>
                       <a:pPr algn="l" fontAlgn="ctr"/>
                       <a:r>
-                        <a:rPr lang="hu-HU" sz="900" b="0" i="0" u="none" strike="noStrike">
+                        <a:rPr lang="hu-HU" sz="900" b="0" i="0" u="none" strike="noStrike" dirty="0">
                           <a:solidFill>
                             <a:srgbClr val="000000"/>
                           </a:solidFill>
@@ -12324,7 +12211,7 @@
                     <a:p>
                       <a:pPr algn="l" fontAlgn="ctr"/>
                       <a:r>
-                        <a:rPr lang="hu-HU" sz="900" b="0" i="0" u="none" strike="noStrike">
+                        <a:rPr lang="hu-HU" sz="900" b="0" i="0" u="none" strike="noStrike" dirty="0">
                           <a:solidFill>
                             <a:srgbClr val="000000"/>
                           </a:solidFill>
@@ -12383,7 +12270,7 @@
                     <a:p>
                       <a:pPr algn="ctr" fontAlgn="ctr"/>
                       <a:r>
-                        <a:rPr lang="hu-HU" sz="900" b="1" i="0" u="none" strike="noStrike" dirty="0" err="1">
+                        <a:rPr lang="hu-HU" sz="900" b="1" i="0" u="none" strike="noStrike" dirty="0">
                           <a:solidFill>
                             <a:srgbClr val="FFFFFF"/>
                           </a:solidFill>
@@ -12391,12 +12278,6 @@
                         </a:rPr>
                         <a:t>Fail</a:t>
                       </a:r>
-                      <a:endParaRPr lang="hu-HU" sz="900" b="1" i="0" u="none" strike="noStrike" dirty="0">
-                        <a:solidFill>
-                          <a:srgbClr val="FFFFFF"/>
-                        </a:solidFill>
-                        <a:latin typeface="Manrope" pitchFamily="2" charset="0"/>
-                      </a:endParaRPr>
                     </a:p>
                   </a:txBody>
                   <a:tcPr marL="9525" marR="9525" marT="9525" marB="0" anchor="ctr">
@@ -12509,7 +12390,7 @@
                     <a:p>
                       <a:pPr algn="l" fontAlgn="ctr"/>
                       <a:r>
-                        <a:rPr lang="hu-HU" sz="900" b="0" i="0" u="none" strike="noStrike">
+                        <a:rPr lang="hu-HU" sz="900" b="0" i="0" u="none" strike="noStrike" dirty="0">
                           <a:solidFill>
                             <a:srgbClr val="000000"/>
                           </a:solidFill>
@@ -12568,7 +12449,7 @@
                     <a:p>
                       <a:pPr algn="l" fontAlgn="ctr"/>
                       <a:r>
-                        <a:rPr lang="hu-HU" sz="900" b="0" i="0" u="none" strike="noStrike">
+                        <a:rPr lang="hu-HU" sz="900" b="0" i="0" u="none" strike="noStrike" dirty="0">
                           <a:solidFill>
                             <a:srgbClr val="000000"/>
                           </a:solidFill>
@@ -12627,7 +12508,7 @@
                     <a:p>
                       <a:pPr algn="ctr" fontAlgn="ctr"/>
                       <a:r>
-                        <a:rPr lang="hu-HU" sz="900" b="1" i="0" u="none" strike="noStrike" dirty="0" err="1">
+                        <a:rPr lang="hu-HU" sz="900" b="1" i="0" u="none" strike="noStrike" dirty="0">
                           <a:solidFill>
                             <a:srgbClr val="FFFFFF"/>
                           </a:solidFill>
@@ -12635,12 +12516,6 @@
                         </a:rPr>
                         <a:t>Fail</a:t>
                       </a:r>
-                      <a:endParaRPr lang="hu-HU" sz="900" b="1" i="0" u="none" strike="noStrike" dirty="0">
-                        <a:solidFill>
-                          <a:srgbClr val="FFFFFF"/>
-                        </a:solidFill>
-                        <a:latin typeface="Manrope" pitchFamily="2" charset="0"/>
-                      </a:endParaRPr>
                     </a:p>
                   </a:txBody>
                   <a:tcPr marL="9525" marR="9525" marT="9525" marB="0" anchor="ctr">
@@ -12812,7 +12687,7 @@
                     <a:p>
                       <a:pPr algn="l" fontAlgn="ctr"/>
                       <a:r>
-                        <a:rPr lang="hu-HU" sz="900" b="0" i="0" u="none" strike="noStrike">
+                        <a:rPr lang="hu-HU" sz="900" b="0" i="0" u="none" strike="noStrike" dirty="0">
                           <a:solidFill>
                             <a:srgbClr val="000000"/>
                           </a:solidFill>
@@ -12871,7 +12746,7 @@
                     <a:p>
                       <a:pPr algn="ctr" fontAlgn="ctr"/>
                       <a:r>
-                        <a:rPr lang="hu-HU" sz="900" b="1" i="0" u="none" strike="noStrike" dirty="0" err="1">
+                        <a:rPr lang="hu-HU" sz="900" b="1" i="0" u="none" strike="noStrike" dirty="0">
                           <a:solidFill>
                             <a:srgbClr val="FFFFFF"/>
                           </a:solidFill>
@@ -12879,12 +12754,6 @@
                         </a:rPr>
                         <a:t>Fail</a:t>
                       </a:r>
-                      <a:endParaRPr lang="hu-HU" sz="900" b="1" i="0" u="none" strike="noStrike" dirty="0">
-                        <a:solidFill>
-                          <a:srgbClr val="FFFFFF"/>
-                        </a:solidFill>
-                        <a:latin typeface="Manrope" pitchFamily="2" charset="0"/>
-                      </a:endParaRPr>
                     </a:p>
                   </a:txBody>
                   <a:tcPr marL="9525" marR="9525" marT="9525" marB="0" anchor="ctr">
@@ -13069,19 +12938,7 @@
               <a:rPr lang="hu-HU" sz="2600" dirty="0" smtClean="0">
                 <a:latin typeface="Manrope" pitchFamily="2" charset="0"/>
               </a:rPr>
-              <a:t>03. Automata tesztelés - </a:t>
-            </a:r>
-            <a:r>
-              <a:rPr lang="hu-HU" sz="2600" dirty="0" err="1" smtClean="0">
-                <a:latin typeface="Manrope" pitchFamily="2" charset="0"/>
-              </a:rPr>
-              <a:t>Blogbejegyzéseken</a:t>
-            </a:r>
-            <a:r>
-              <a:rPr lang="hu-HU" sz="2600" dirty="0" smtClean="0">
-                <a:latin typeface="Manrope" pitchFamily="2" charset="0"/>
-              </a:rPr>
-              <a:t> végigvezetve</a:t>
+              <a:t>03. Automata tesztelés - Blogbejegyzéseken végigvezetve</a:t>
             </a:r>
             <a:endParaRPr lang="hu-HU" sz="2600" dirty="0">
               <a:latin typeface="Manrope" pitchFamily="2" charset="0"/>
@@ -13101,7 +12958,7 @@
         </p:nvSpPr>
         <p:spPr>
           <a:xfrm>
-            <a:off x="0" y="1069514"/>
+            <a:off x="0" y="1033654"/>
             <a:ext cx="3059832" cy="820687"/>
           </a:xfrm>
           <a:ln>
@@ -13169,7 +13026,7 @@
               <a:t>CON_ATC_001 - test_</a:t>
             </a:r>
             <a:r>
-              <a:rPr lang="hu-HU" sz="1200" dirty="0" err="1" smtClean="0">
+              <a:rPr lang="hu-HU" sz="1200" dirty="0" smtClean="0">
                 <a:solidFill>
                   <a:schemeClr val="bg1"/>
                 </a:solidFill>
@@ -13222,7 +13079,7 @@
         </p:nvSpPr>
         <p:spPr>
           <a:xfrm>
-            <a:off x="2964836" y="1060549"/>
+            <a:off x="2985223" y="1033654"/>
             <a:ext cx="3259154" cy="1080120"/>
           </a:xfrm>
           <a:prstGeom prst="rect">
@@ -13270,7 +13127,7 @@
               <a:t>CON_ATC_011 - test_</a:t>
             </a:r>
             <a:r>
-              <a:rPr lang="hu-HU" sz="1200" dirty="0" err="1" smtClean="0">
+              <a:rPr lang="hu-HU" sz="1200" dirty="0" smtClean="0">
                 <a:latin typeface="Manrope" pitchFamily="2" charset="0"/>
               </a:rPr>
               <a:t>list</a:t>
@@ -13282,7 +13139,7 @@
               <a:t>_</a:t>
             </a:r>
             <a:r>
-              <a:rPr lang="hu-HU" sz="1200" dirty="0" err="1" smtClean="0">
+              <a:rPr lang="hu-HU" sz="1200" dirty="0" smtClean="0">
                 <a:latin typeface="Manrope" pitchFamily="2" charset="0"/>
               </a:rPr>
               <a:t>datas</a:t>
@@ -13302,17 +13159,8 @@
               <a:rPr lang="hu-HU" sz="1200" dirty="0" smtClean="0">
                 <a:latin typeface="Manrope" pitchFamily="2" charset="0"/>
               </a:rPr>
-              <a:t>Adatok listázása - Adott felhasználó által létrehozott </a:t>
-            </a:r>
-            <a:r>
-              <a:rPr lang="hu-HU" sz="1200" dirty="0" err="1" smtClean="0">
-                <a:latin typeface="Manrope" pitchFamily="2" charset="0"/>
-              </a:rPr>
-              <a:t>blogbejegyzések</a:t>
-            </a:r>
-            <a:endParaRPr lang="hu-HU" sz="1200" dirty="0" smtClean="0">
-              <a:latin typeface="Manrope" pitchFamily="2" charset="0"/>
-            </a:endParaRPr>
+              <a:t>Adatok listázása - Adott felhasználó által létrehozott blogbejegyzések</a:t>
+            </a:r>
           </a:p>
         </p:txBody>
       </p:sp>
@@ -13326,7 +13174,7 @@
         </p:nvSpPr>
         <p:spPr>
           <a:xfrm>
-            <a:off x="6128993" y="1033654"/>
+            <a:off x="6138534" y="1033654"/>
             <a:ext cx="3006042" cy="1152128"/>
           </a:xfrm>
           <a:prstGeom prst="rect">
@@ -13389,7 +13237,7 @@
               <a:t>CON_ATC_008 - test_update_</a:t>
             </a:r>
             <a:r>
-              <a:rPr lang="hu-HU" sz="1200" dirty="0" err="1" smtClean="0">
+              <a:rPr lang="hu-HU" sz="1200" dirty="0" smtClean="0">
                 <a:solidFill>
                   <a:schemeClr val="bg1"/>
                 </a:solidFill>
@@ -13421,28 +13269,10 @@
                 </a:solidFill>
                 <a:latin typeface="Manrope" pitchFamily="2" charset="0"/>
               </a:rPr>
-              <a:t>Meglévő adat módosítás - </a:t>
-            </a:r>
-            <a:r>
-              <a:rPr lang="hu-HU" sz="1200" dirty="0" err="1" smtClean="0">
-                <a:solidFill>
-                  <a:schemeClr val="bg1"/>
-                </a:solidFill>
-                <a:latin typeface="Manrope" pitchFamily="2" charset="0"/>
-              </a:rPr>
-              <a:t>Blogbejegyzés</a:t>
+              <a:t>Meglévő adat módosítás - Blogbejegyzés </a:t>
             </a:r>
             <a:r>
               <a:rPr lang="hu-HU" sz="1200" dirty="0" smtClean="0">
-                <a:solidFill>
-                  <a:schemeClr val="bg1"/>
-                </a:solidFill>
-                <a:latin typeface="Manrope" pitchFamily="2" charset="0"/>
-              </a:rPr>
-              <a:t> </a:t>
-            </a:r>
-            <a:r>
-              <a:rPr lang="hu-HU" sz="1200" dirty="0" err="1" smtClean="0">
                 <a:solidFill>
                   <a:schemeClr val="bg1"/>
                 </a:solidFill>
@@ -13587,7 +13417,7 @@
         </p:nvSpPr>
         <p:spPr>
           <a:xfrm>
-            <a:off x="7222" y="2424068"/>
+            <a:off x="0" y="2348880"/>
             <a:ext cx="3124618" cy="820687"/>
           </a:xfrm>
           <a:prstGeom prst="rect">
@@ -13635,7 +13465,7 @@
               <a:t>CON_ATC_003 - test_</a:t>
             </a:r>
             <a:r>
-              <a:rPr lang="hu-HU" sz="1200" dirty="0" err="1" smtClean="0">
+              <a:rPr lang="hu-HU" sz="1200" dirty="0" smtClean="0">
                 <a:latin typeface="Manrope" pitchFamily="2" charset="0"/>
               </a:rPr>
               <a:t>sign</a:t>
@@ -13647,7 +13477,7 @@
               <a:t>_</a:t>
             </a:r>
             <a:r>
-              <a:rPr lang="hu-HU" sz="1200" dirty="0" err="1" smtClean="0">
+              <a:rPr lang="hu-HU" sz="1200" dirty="0" smtClean="0">
                 <a:latin typeface="Manrope" pitchFamily="2" charset="0"/>
               </a:rPr>
               <a:t>up</a:t>
@@ -13682,7 +13512,7 @@
         </p:nvSpPr>
         <p:spPr>
           <a:xfrm>
-            <a:off x="0" y="3813042"/>
+            <a:off x="0" y="3761857"/>
             <a:ext cx="3131840" cy="820687"/>
           </a:xfrm>
           <a:prstGeom prst="rect">
@@ -13745,31 +13575,13 @@
               <a:t>CON_ATC_004 </a:t>
             </a:r>
             <a:r>
-              <a:rPr lang="hu-HU" sz="1200" dirty="0" err="1" smtClean="0">
-                <a:solidFill>
-                  <a:schemeClr val="bg1"/>
-                </a:solidFill>
-                <a:latin typeface="Manrope" pitchFamily="2" charset="0"/>
-              </a:rPr>
-              <a:t>-test</a:t>
-            </a:r>
-            <a:r>
               <a:rPr lang="hu-HU" sz="1200" dirty="0" smtClean="0">
                 <a:solidFill>
                   <a:schemeClr val="bg1"/>
                 </a:solidFill>
                 <a:latin typeface="Manrope" pitchFamily="2" charset="0"/>
               </a:rPr>
-              <a:t>_</a:t>
-            </a:r>
-            <a:r>
-              <a:rPr lang="hu-HU" sz="1200" dirty="0" err="1" smtClean="0">
-                <a:solidFill>
-                  <a:schemeClr val="bg1"/>
-                </a:solidFill>
-                <a:latin typeface="Manrope" pitchFamily="2" charset="0"/>
-              </a:rPr>
-              <a:t>sign</a:t>
+              <a:t>- test_</a:t>
             </a:r>
             <a:r>
               <a:rPr lang="hu-HU" sz="1200" dirty="0" smtClean="0">
@@ -13778,16 +13590,7 @@
                 </a:solidFill>
                 <a:latin typeface="Manrope" pitchFamily="2" charset="0"/>
               </a:rPr>
-              <a:t>_</a:t>
-            </a:r>
-            <a:r>
-              <a:rPr lang="hu-HU" sz="1200" dirty="0" err="1" smtClean="0">
-                <a:solidFill>
-                  <a:schemeClr val="bg1"/>
-                </a:solidFill>
-                <a:latin typeface="Manrope" pitchFamily="2" charset="0"/>
-              </a:rPr>
-              <a:t>in</a:t>
+              <a:t>sign</a:t>
             </a:r>
             <a:r>
               <a:rPr lang="hu-HU" sz="1200" dirty="0" smtClean="0">
@@ -13796,7 +13599,34 @@
                 </a:solidFill>
                 <a:latin typeface="Manrope" pitchFamily="2" charset="0"/>
               </a:rPr>
+              <a:t>_</a:t>
+            </a:r>
+            <a:r>
+              <a:rPr lang="hu-HU" sz="1200" dirty="0" smtClean="0">
+                <a:solidFill>
+                  <a:schemeClr val="bg1"/>
+                </a:solidFill>
+                <a:latin typeface="Manrope" pitchFamily="2" charset="0"/>
+              </a:rPr>
+              <a:t>in</a:t>
+            </a:r>
+            <a:r>
+              <a:rPr lang="hu-HU" sz="1200" dirty="0" smtClean="0">
+                <a:solidFill>
+                  <a:schemeClr val="bg1"/>
+                </a:solidFill>
+                <a:latin typeface="Manrope" pitchFamily="2" charset="0"/>
+              </a:rPr>
               <a:t> </a:t>
+            </a:r>
+            <a:r>
+              <a:rPr lang="hu-HU" sz="1200" dirty="0" smtClean="0">
+                <a:solidFill>
+                  <a:schemeClr val="bg1"/>
+                </a:solidFill>
+                <a:latin typeface="Manrope" pitchFamily="2" charset="0"/>
+              </a:rPr>
+              <a:t/>
             </a:r>
             <a:br>
               <a:rPr lang="hu-HU" sz="1200" dirty="0" smtClean="0">
@@ -13834,7 +13664,7 @@
         </p:nvSpPr>
         <p:spPr>
           <a:xfrm>
-            <a:off x="0" y="5086048"/>
+            <a:off x="0" y="5092133"/>
             <a:ext cx="3059832" cy="1122353"/>
           </a:xfrm>
           <a:prstGeom prst="rect">
@@ -13882,7 +13712,7 @@
               <a:t>CON_ATC_002 - test_</a:t>
             </a:r>
             <a:r>
-              <a:rPr lang="hu-HU" sz="1200" dirty="0" err="1" smtClean="0">
+              <a:rPr lang="hu-HU" sz="1200" dirty="0" smtClean="0">
                 <a:latin typeface="Manrope" pitchFamily="2" charset="0"/>
               </a:rPr>
               <a:t>accept</a:t>
@@ -13894,7 +13724,7 @@
               <a:t>_</a:t>
             </a:r>
             <a:r>
-              <a:rPr lang="hu-HU" sz="1200" dirty="0" err="1" smtClean="0">
+              <a:rPr lang="hu-HU" sz="1200" dirty="0" smtClean="0">
                 <a:latin typeface="Manrope" pitchFamily="2" charset="0"/>
               </a:rPr>
               <a:t>cookies</a:t>
@@ -13932,7 +13762,7 @@
         </p:nvSpPr>
         <p:spPr>
           <a:xfrm>
-            <a:off x="2969606" y="3743927"/>
+            <a:off x="2985223" y="3761857"/>
             <a:ext cx="3259154" cy="1080120"/>
           </a:xfrm>
           <a:prstGeom prst="rect">
@@ -13980,7 +13810,7 @@
               <a:t>CON_ATC_006 - test_</a:t>
             </a:r>
             <a:r>
-              <a:rPr lang="hu-HU" sz="1200" dirty="0" err="1" smtClean="0">
+              <a:rPr lang="hu-HU" sz="1200" dirty="0" smtClean="0">
                 <a:latin typeface="Manrope" pitchFamily="2" charset="0"/>
               </a:rPr>
               <a:t>creat</a:t>
@@ -13992,7 +13822,7 @@
               <a:t>_</a:t>
             </a:r>
             <a:r>
-              <a:rPr lang="hu-HU" sz="1200" dirty="0" err="1" smtClean="0">
+              <a:rPr lang="hu-HU" sz="1200" dirty="0" smtClean="0">
                 <a:latin typeface="Manrope" pitchFamily="2" charset="0"/>
               </a:rPr>
               <a:t>data</a:t>
@@ -14012,19 +13842,7 @@
               <a:rPr lang="hu-HU" sz="1200" dirty="0" smtClean="0">
                 <a:latin typeface="Manrope" pitchFamily="2" charset="0"/>
               </a:rPr>
-              <a:t>Új adat bevitel (</a:t>
-            </a:r>
-            <a:r>
-              <a:rPr lang="hu-HU" sz="1200" dirty="0" err="1" smtClean="0">
-                <a:latin typeface="Manrope" pitchFamily="2" charset="0"/>
-              </a:rPr>
-              <a:t>blogbejegyzés</a:t>
-            </a:r>
-            <a:r>
-              <a:rPr lang="hu-HU" sz="1200" dirty="0" smtClean="0">
-                <a:latin typeface="Manrope" pitchFamily="2" charset="0"/>
-              </a:rPr>
-              <a:t>) - Helyes adatokkal</a:t>
+              <a:t>Új adat bevitel (blogbejegyzés) - Helyes adatokkal</a:t>
             </a:r>
           </a:p>
         </p:txBody>
@@ -14039,7 +13857,7 @@
         </p:nvSpPr>
         <p:spPr>
           <a:xfrm>
-            <a:off x="6066526" y="3717032"/>
+            <a:off x="6138534" y="3761857"/>
             <a:ext cx="3006042" cy="1152128"/>
           </a:xfrm>
           <a:prstGeom prst="rect">
@@ -14102,31 +13920,13 @@
               <a:t>CON_ATC_010 - test_</a:t>
             </a:r>
             <a:r>
-              <a:rPr lang="hu-HU" sz="1200" dirty="0" err="1" smtClean="0">
-                <a:solidFill>
-                  <a:schemeClr val="bg1"/>
-                </a:solidFill>
-                <a:latin typeface="Manrope" pitchFamily="2" charset="0"/>
-              </a:rPr>
-              <a:t>save</a:t>
-            </a:r>
-            <a:r>
               <a:rPr lang="hu-HU" sz="1200" dirty="0" smtClean="0">
                 <a:solidFill>
                   <a:schemeClr val="bg1"/>
                 </a:solidFill>
                 <a:latin typeface="Manrope" pitchFamily="2" charset="0"/>
               </a:rPr>
-              <a:t>_</a:t>
-            </a:r>
-            <a:r>
-              <a:rPr lang="hu-HU" sz="1200" dirty="0" err="1" smtClean="0">
-                <a:solidFill>
-                  <a:schemeClr val="bg1"/>
-                </a:solidFill>
-                <a:latin typeface="Manrope" pitchFamily="2" charset="0"/>
-              </a:rPr>
-              <a:t>datas</a:t>
+              <a:t>save</a:t>
             </a:r>
             <a:r>
               <a:rPr lang="hu-HU" sz="1200" dirty="0" smtClean="0">
@@ -14138,7 +13938,25 @@
               <a:t>_</a:t>
             </a:r>
             <a:r>
-              <a:rPr lang="hu-HU" sz="1200" dirty="0" err="1" smtClean="0">
+              <a:rPr lang="hu-HU" sz="1200" dirty="0" smtClean="0">
+                <a:solidFill>
+                  <a:schemeClr val="bg1"/>
+                </a:solidFill>
+                <a:latin typeface="Manrope" pitchFamily="2" charset="0"/>
+              </a:rPr>
+              <a:t>datas</a:t>
+            </a:r>
+            <a:r>
+              <a:rPr lang="hu-HU" sz="1200" dirty="0" smtClean="0">
+                <a:solidFill>
+                  <a:schemeClr val="bg1"/>
+                </a:solidFill>
+                <a:latin typeface="Manrope" pitchFamily="2" charset="0"/>
+              </a:rPr>
+              <a:t>_</a:t>
+            </a:r>
+            <a:r>
+              <a:rPr lang="hu-HU" sz="1200" dirty="0" smtClean="0">
                 <a:solidFill>
                   <a:schemeClr val="bg1"/>
                 </a:solidFill>
@@ -14170,16 +13988,7 @@
                 </a:solidFill>
                 <a:latin typeface="Manrope" pitchFamily="2" charset="0"/>
               </a:rPr>
-              <a:t>Adatok lementése felületről - </a:t>
-            </a:r>
-            <a:r>
-              <a:rPr lang="hu-HU" sz="1200" dirty="0" err="1" smtClean="0">
-                <a:solidFill>
-                  <a:schemeClr val="bg1"/>
-                </a:solidFill>
-                <a:latin typeface="Manrope" pitchFamily="2" charset="0"/>
-              </a:rPr>
-              <a:t>Blogbejegyzések</a:t>
+              <a:t>Adatok lementése felületről - Blogbejegyzések</a:t>
             </a:r>
             <a:endParaRPr kumimoji="0" lang="hu-HU" sz="1200" b="0" i="0" u="none" strike="noStrike" kern="1200" cap="none" spc="0" normalizeH="0" baseline="0" noProof="0" dirty="0" smtClean="0">
               <a:ln>
@@ -14274,7 +14083,7 @@
         </p:nvSpPr>
         <p:spPr>
           <a:xfrm>
-            <a:off x="2969606" y="5083167"/>
+            <a:off x="2985223" y="5092133"/>
             <a:ext cx="3259154" cy="1413265"/>
           </a:xfrm>
           <a:prstGeom prst="rect">
@@ -14320,25 +14129,25 @@
               <a:t>CON_ATC_007 - test_import_</a:t>
             </a:r>
             <a:r>
-              <a:rPr lang="hu-HU" sz="1200" dirty="0" err="1" smtClean="0">
-                <a:solidFill>
-                  <a:schemeClr val="bg1"/>
-                </a:solidFill>
-                <a:latin typeface="Manrope" pitchFamily="2" charset="0"/>
-              </a:rPr>
-              <a:t>datas</a:t>
-            </a:r>
-            <a:r>
               <a:rPr lang="hu-HU" sz="1200" dirty="0" smtClean="0">
                 <a:solidFill>
                   <a:schemeClr val="bg1"/>
                 </a:solidFill>
                 <a:latin typeface="Manrope" pitchFamily="2" charset="0"/>
               </a:rPr>
+              <a:t>datas</a:t>
+            </a:r>
+            <a:r>
+              <a:rPr lang="hu-HU" sz="1200" dirty="0" smtClean="0">
+                <a:solidFill>
+                  <a:schemeClr val="bg1"/>
+                </a:solidFill>
+                <a:latin typeface="Manrope" pitchFamily="2" charset="0"/>
+              </a:rPr>
               <a:t>_</a:t>
             </a:r>
             <a:r>
-              <a:rPr lang="hu-HU" sz="1200" dirty="0" err="1" smtClean="0">
+              <a:rPr lang="hu-HU" sz="1200" dirty="0" smtClean="0">
                 <a:solidFill>
                   <a:schemeClr val="bg1"/>
                 </a:solidFill>
@@ -14370,25 +14179,7 @@
                 </a:solidFill>
                 <a:latin typeface="Manrope" pitchFamily="2" charset="0"/>
               </a:rPr>
-              <a:t>Ismételt és sorozatos adatbevitel adatforrásból (</a:t>
-            </a:r>
-            <a:r>
-              <a:rPr lang="hu-HU" sz="1200" dirty="0" err="1" smtClean="0">
-                <a:solidFill>
-                  <a:schemeClr val="bg1"/>
-                </a:solidFill>
-                <a:latin typeface="Manrope" pitchFamily="2" charset="0"/>
-              </a:rPr>
-              <a:t>blogbejegyzések</a:t>
-            </a:r>
-            <a:r>
-              <a:rPr lang="hu-HU" sz="1200" dirty="0" smtClean="0">
-                <a:solidFill>
-                  <a:schemeClr val="bg1"/>
-                </a:solidFill>
-                <a:latin typeface="Manrope" pitchFamily="2" charset="0"/>
-              </a:rPr>
-              <a:t>) - Helyes adatokkal</a:t>
+              <a:t>Ismételt és sorozatos adatbevitel adatforrásból (blogbejegyzések) - Helyes adatokkal</a:t>
             </a:r>
             <a:endParaRPr lang="hu-HU" sz="1200" dirty="0">
               <a:solidFill>
@@ -14409,7 +14200,7 @@
         </p:nvSpPr>
         <p:spPr>
           <a:xfrm>
-            <a:off x="6138534" y="5056273"/>
+            <a:off x="6138534" y="5092133"/>
             <a:ext cx="3006042" cy="1152128"/>
           </a:xfrm>
           <a:prstGeom prst="rect">
@@ -14557,7 +14348,7 @@
         </p:nvSpPr>
         <p:spPr>
           <a:xfrm>
-            <a:off x="3005610" y="2348880"/>
+            <a:off x="2985223" y="2348880"/>
             <a:ext cx="3259154" cy="1080120"/>
           </a:xfrm>
           <a:prstGeom prst="rect">
@@ -14620,25 +14411,25 @@
               <a:t>CON_ATC_012 - test_</a:t>
             </a:r>
             <a:r>
-              <a:rPr lang="hu-HU" sz="1200" dirty="0" err="1" smtClean="0">
-                <a:solidFill>
-                  <a:schemeClr val="bg1"/>
-                </a:solidFill>
-                <a:latin typeface="Manrope" pitchFamily="2" charset="0"/>
-              </a:rPr>
-              <a:t>turn</a:t>
-            </a:r>
-            <a:r>
               <a:rPr lang="hu-HU" sz="1200" dirty="0" smtClean="0">
                 <a:solidFill>
                   <a:schemeClr val="bg1"/>
                 </a:solidFill>
                 <a:latin typeface="Manrope" pitchFamily="2" charset="0"/>
               </a:rPr>
+              <a:t>turn</a:t>
+            </a:r>
+            <a:r>
+              <a:rPr lang="hu-HU" sz="1200" dirty="0" smtClean="0">
+                <a:solidFill>
+                  <a:schemeClr val="bg1"/>
+                </a:solidFill>
+                <a:latin typeface="Manrope" pitchFamily="2" charset="0"/>
+              </a:rPr>
               <a:t>_</a:t>
             </a:r>
             <a:r>
-              <a:rPr lang="hu-HU" sz="1200" dirty="0" err="1" smtClean="0">
+              <a:rPr lang="hu-HU" sz="1200" dirty="0" smtClean="0">
                 <a:solidFill>
                   <a:schemeClr val="bg1"/>
                 </a:solidFill>
@@ -14670,46 +14461,10 @@
                 </a:solidFill>
                 <a:latin typeface="Manrope" pitchFamily="2" charset="0"/>
               </a:rPr>
-              <a:t>Több oldalas lista bejárása - </a:t>
-            </a:r>
-            <a:r>
-              <a:rPr lang="hu-HU" sz="1200" dirty="0" err="1" smtClean="0">
-                <a:solidFill>
-                  <a:schemeClr val="bg1"/>
-                </a:solidFill>
-                <a:latin typeface="Manrope" pitchFamily="2" charset="0"/>
-              </a:rPr>
-              <a:t>Blogbejegyzések</a:t>
+              <a:t>Több oldalas lista bejárása - Blogbejegyzések bejárása Home/Global </a:t>
             </a:r>
             <a:r>
               <a:rPr lang="hu-HU" sz="1200" dirty="0" smtClean="0">
-                <a:solidFill>
-                  <a:schemeClr val="bg1"/>
-                </a:solidFill>
-                <a:latin typeface="Manrope" pitchFamily="2" charset="0"/>
-              </a:rPr>
-              <a:t> </a:t>
-            </a:r>
-            <a:r>
-              <a:rPr lang="hu-HU" sz="1200" dirty="0" err="1" smtClean="0">
-                <a:solidFill>
-                  <a:schemeClr val="bg1"/>
-                </a:solidFill>
-                <a:latin typeface="Manrope" pitchFamily="2" charset="0"/>
-              </a:rPr>
-              <a:t>bejárása</a:t>
-            </a:r>
-            <a:r>
-              <a:rPr lang="hu-HU" sz="1200" dirty="0" smtClean="0">
-                <a:solidFill>
-                  <a:schemeClr val="bg1"/>
-                </a:solidFill>
-                <a:latin typeface="Manrope" pitchFamily="2" charset="0"/>
-              </a:rPr>
-              <a:t> Home/Global </a:t>
-            </a:r>
-            <a:r>
-              <a:rPr lang="hu-HU" sz="1200" dirty="0" err="1" smtClean="0">
                 <a:solidFill>
                   <a:schemeClr val="bg1"/>
                 </a:solidFill>
@@ -14787,7 +14542,7 @@
               <a:t>CON_ATC_009 - test_</a:t>
             </a:r>
             <a:r>
-              <a:rPr lang="hu-HU" sz="1200" dirty="0" err="1" smtClean="0">
+              <a:rPr lang="hu-HU" sz="1200" dirty="0" smtClean="0">
                 <a:latin typeface="Manrope" pitchFamily="2" charset="0"/>
               </a:rPr>
               <a:t>delete</a:t>
@@ -14799,7 +14554,7 @@
               <a:t>_</a:t>
             </a:r>
             <a:r>
-              <a:rPr lang="hu-HU" sz="1200" dirty="0" err="1" smtClean="0">
+              <a:rPr lang="hu-HU" sz="1200" dirty="0" smtClean="0">
                 <a:latin typeface="Manrope" pitchFamily="2" charset="0"/>
               </a:rPr>
               <a:t>data</a:t>
@@ -14819,13 +14574,7 @@
               <a:rPr lang="hu-HU" sz="1200" dirty="0" smtClean="0">
                 <a:latin typeface="Manrope" pitchFamily="2" charset="0"/>
               </a:rPr>
-              <a:t>Adat vagy adatok törlése - </a:t>
-            </a:r>
-            <a:r>
-              <a:rPr lang="hu-HU" sz="1200" dirty="0" err="1" smtClean="0">
-                <a:latin typeface="Manrope" pitchFamily="2" charset="0"/>
-              </a:rPr>
-              <a:t>Blogbejegyzés</a:t>
+              <a:t>Adat vagy adatok törlése - Blogbejegyzés</a:t>
             </a:r>
             <a:endParaRPr kumimoji="0" lang="hu-HU" sz="1200" b="0" i="0" u="none" strike="noStrike" kern="1200" cap="none" spc="0" normalizeH="0" baseline="0" noProof="0" dirty="0" smtClean="0">
               <a:ln>
@@ -14905,12 +14654,12 @@
               <a:t>Automatizált </a:t>
             </a:r>
             <a:r>
-              <a:rPr lang="hu-HU" sz="1200" dirty="0" err="1" smtClean="0"/>
-              <a:t>tesztlés</a:t>
-            </a:r>
-            <a:r>
               <a:rPr lang="hu-HU" sz="1200" dirty="0" smtClean="0"/>
-              <a:t> elérése: https://github.com/evaszijarto/conduit </a:t>
+              <a:t>tesztelés </a:t>
+            </a:r>
+            <a:r>
+              <a:rPr lang="hu-HU" sz="1200" dirty="0" smtClean="0"/>
+              <a:t>elérése: https://github.com/evaszijarto/conduit </a:t>
             </a:r>
           </a:p>
           <a:p>
@@ -14989,7 +14738,7 @@
               <a:t>04. </a:t>
             </a:r>
             <a:r>
-              <a:rPr lang="hu-HU" dirty="0" err="1" smtClean="0">
+              <a:rPr lang="hu-HU" dirty="0" smtClean="0">
                 <a:solidFill>
                   <a:schemeClr val="bg1"/>
                 </a:solidFill>
@@ -15026,7 +14775,7 @@
             <a:pPr marL="0" indent="0">
               <a:buNone/>
               <a:tabLst>
-                <a:tab pos="358775" algn="l"/>
+                <a:tab pos="627063" algn="l"/>
               </a:tabLst>
             </a:pPr>
             <a:r>
@@ -15052,7 +14801,7 @@
             <a:pPr marL="0" indent="0">
               <a:buNone/>
               <a:tabLst>
-                <a:tab pos="358775" algn="l"/>
+                <a:tab pos="627063" algn="l"/>
               </a:tabLst>
             </a:pPr>
             <a:r>
@@ -15071,13 +14820,25 @@
               <a:rPr lang="en-US" sz="1800" dirty="0" smtClean="0">
                 <a:latin typeface="Manrope" pitchFamily="2" charset="0"/>
               </a:rPr>
-              <a:t>Build simple-elf/allure-report-</a:t>
-            </a:r>
-            <a:r>
-              <a:rPr lang="en-US" sz="1800" dirty="0" err="1" smtClean="0">
-                <a:latin typeface="Manrope" pitchFamily="2" charset="0"/>
-              </a:rPr>
-              <a:t>acrion@master</a:t>
+              <a:t>Build </a:t>
+            </a:r>
+            <a:r>
+              <a:rPr lang="en-US" sz="1800" dirty="0" smtClean="0">
+                <a:latin typeface="Manrope" pitchFamily="2" charset="0"/>
+              </a:rPr>
+              <a:t>simple-elf/allure-report-ac</a:t>
+            </a:r>
+            <a:r>
+              <a:rPr lang="hu-HU" sz="1800" dirty="0" smtClean="0">
+                <a:latin typeface="Manrope" pitchFamily="2" charset="0"/>
+              </a:rPr>
+              <a:t>t</a:t>
+            </a:r>
+            <a:r>
+              <a:rPr lang="en-US" sz="1800" dirty="0" smtClean="0">
+                <a:latin typeface="Manrope" pitchFamily="2" charset="0"/>
+              </a:rPr>
+              <a:t>ion@master</a:t>
             </a:r>
             <a:endParaRPr lang="en-US" sz="1800" dirty="0" smtClean="0">
               <a:latin typeface="Manrope" pitchFamily="2" charset="0"/>
@@ -15087,7 +14848,7 @@
             <a:pPr marL="0" indent="0">
               <a:buNone/>
               <a:tabLst>
-                <a:tab pos="358775" algn="l"/>
+                <a:tab pos="627063" algn="l"/>
               </a:tabLst>
             </a:pPr>
             <a:r>
@@ -15109,7 +14870,7 @@
               <a:t>Build </a:t>
             </a:r>
             <a:r>
-              <a:rPr lang="en-US" sz="1800" dirty="0" err="1" smtClean="0">
+              <a:rPr lang="en-US" sz="1800" dirty="0" smtClean="0">
                 <a:latin typeface="Manrope" pitchFamily="2" charset="0"/>
               </a:rPr>
               <a:t>peaceiris</a:t>
@@ -15125,7 +14886,7 @@
             <a:pPr marL="0" indent="0">
               <a:buNone/>
               <a:tabLst>
-                <a:tab pos="358775" algn="l"/>
+                <a:tab pos="627063" algn="l"/>
               </a:tabLst>
             </a:pPr>
             <a:r>
@@ -15151,7 +14912,7 @@
             <a:pPr marL="0" indent="0">
               <a:buNone/>
               <a:tabLst>
-                <a:tab pos="358775" algn="l"/>
+                <a:tab pos="627063" algn="l"/>
               </a:tabLst>
             </a:pPr>
             <a:r>
@@ -15167,7 +14928,7 @@
               <a:t>	</a:t>
             </a:r>
             <a:r>
-              <a:rPr lang="en-US" sz="1800" dirty="0" err="1" smtClean="0">
+              <a:rPr lang="en-US" sz="1800" dirty="0" smtClean="0">
                 <a:latin typeface="Manrope" pitchFamily="2" charset="0"/>
               </a:rPr>
               <a:t>Docker</a:t>
@@ -15179,23 +14940,23 @@
               <a:t> </a:t>
             </a:r>
             <a:r>
-              <a:rPr lang="en-US" sz="1800" dirty="0" err="1" smtClean="0">
-                <a:latin typeface="Manrope" pitchFamily="2" charset="0"/>
-              </a:rPr>
-              <a:t>buuild</a:t>
-            </a:r>
-            <a:r>
               <a:rPr lang="en-US" sz="1800" dirty="0" smtClean="0">
                 <a:latin typeface="Manrope" pitchFamily="2" charset="0"/>
               </a:rPr>
-              <a:t> for test</a:t>
+              <a:t>build </a:t>
+            </a:r>
+            <a:r>
+              <a:rPr lang="en-US" sz="1800" dirty="0" smtClean="0">
+                <a:latin typeface="Manrope" pitchFamily="2" charset="0"/>
+              </a:rPr>
+              <a:t>for test</a:t>
             </a:r>
           </a:p>
           <a:p>
             <a:pPr marL="0" indent="0">
               <a:buNone/>
               <a:tabLst>
-                <a:tab pos="358775" algn="l"/>
+                <a:tab pos="627063" algn="l"/>
               </a:tabLst>
             </a:pPr>
             <a:r>
@@ -15217,10 +14978,10 @@
               <a:t>Sleep for 60 </a:t>
             </a:r>
             <a:r>
-              <a:rPr lang="en-US" sz="1800" dirty="0" err="1" smtClean="0">
-                <a:latin typeface="Manrope" pitchFamily="2" charset="0"/>
-              </a:rPr>
-              <a:t>secends</a:t>
+              <a:rPr lang="en-US" sz="1800" dirty="0" smtClean="0">
+                <a:latin typeface="Manrope" pitchFamily="2" charset="0"/>
+              </a:rPr>
+              <a:t>seconds</a:t>
             </a:r>
             <a:endParaRPr lang="en-US" sz="1800" dirty="0" smtClean="0">
               <a:latin typeface="Manrope" pitchFamily="2" charset="0"/>
@@ -15230,7 +14991,7 @@
             <a:pPr marL="0" indent="0">
               <a:buNone/>
               <a:tabLst>
-                <a:tab pos="358775" algn="l"/>
+                <a:tab pos="627063" algn="l"/>
               </a:tabLst>
             </a:pPr>
             <a:r>
@@ -15256,7 +15017,7 @@
             <a:pPr marL="0" indent="0">
               <a:buNone/>
               <a:tabLst>
-                <a:tab pos="358775" algn="l"/>
+                <a:tab pos="627063" algn="l"/>
               </a:tabLst>
             </a:pPr>
             <a:r>
@@ -15282,7 +15043,7 @@
             <a:pPr marL="0" indent="0">
               <a:buNone/>
               <a:tabLst>
-                <a:tab pos="358775" algn="l"/>
+                <a:tab pos="627063" algn="l"/>
               </a:tabLst>
             </a:pPr>
             <a:r>
@@ -15304,7 +15065,7 @@
               <a:t>Test with </a:t>
             </a:r>
             <a:r>
-              <a:rPr lang="en-US" sz="1800" dirty="0" err="1" smtClean="0">
+              <a:rPr lang="en-US" sz="1800" dirty="0" smtClean="0">
                 <a:latin typeface="Manrope" pitchFamily="2" charset="0"/>
               </a:rPr>
               <a:t>pytest</a:t>
@@ -15317,7 +15078,7 @@
             <a:pPr marL="0" indent="0">
               <a:buNone/>
               <a:tabLst>
-                <a:tab pos="358775" algn="l"/>
+                <a:tab pos="627063" algn="l"/>
               </a:tabLst>
             </a:pPr>
             <a:r>
@@ -15343,7 +15104,7 @@
             <a:pPr marL="0" indent="0">
               <a:buNone/>
               <a:tabLst>
-                <a:tab pos="358775" algn="l"/>
+                <a:tab pos="627063" algn="l"/>
               </a:tabLst>
             </a:pPr>
             <a:r>
@@ -15365,7 +15126,7 @@
               <a:t>Deploy report to </a:t>
             </a:r>
             <a:r>
-              <a:rPr lang="en-US" sz="1800" dirty="0" err="1" smtClean="0">
+              <a:rPr lang="en-US" sz="1800" dirty="0" smtClean="0">
                 <a:latin typeface="Manrope" pitchFamily="2" charset="0"/>
               </a:rPr>
               <a:t>Github</a:t>
@@ -15381,7 +15142,7 @@
             <a:pPr marL="0" indent="0">
               <a:buNone/>
               <a:tabLst>
-                <a:tab pos="358775" algn="l"/>
+                <a:tab pos="627063" algn="l"/>
               </a:tabLst>
             </a:pPr>
             <a:r>
@@ -15407,7 +15168,7 @@
             <a:pPr marL="0" indent="0">
               <a:buNone/>
               <a:tabLst>
-                <a:tab pos="358775" algn="l"/>
+                <a:tab pos="627063" algn="l"/>
               </a:tabLst>
             </a:pPr>
             <a:r>
@@ -15429,23 +15190,32 @@
               <a:t>Port Run </a:t>
             </a:r>
             <a:r>
-              <a:rPr lang="en-US" sz="1800" dirty="0" err="1" smtClean="0">
-                <a:latin typeface="Manrope" pitchFamily="2" charset="0"/>
-              </a:rPr>
-              <a:t>acrions</a:t>
-            </a:r>
-            <a:r>
               <a:rPr lang="en-US" sz="1800" dirty="0" smtClean="0">
                 <a:latin typeface="Manrope" pitchFamily="2" charset="0"/>
               </a:rPr>
-              <a:t>/checkout@v3</a:t>
-            </a:r>
+              <a:t>ac</a:t>
+            </a:r>
+            <a:r>
+              <a:rPr lang="hu-HU" sz="1800" dirty="0" smtClean="0">
+                <a:latin typeface="Manrope" pitchFamily="2" charset="0"/>
+              </a:rPr>
+              <a:t>t</a:t>
+            </a:r>
+            <a:r>
+              <a:rPr lang="en-US" sz="1800" dirty="0" smtClean="0">
+                <a:latin typeface="Manrope" pitchFamily="2" charset="0"/>
+              </a:rPr>
+              <a:t>ions/checkout@v3</a:t>
+            </a:r>
+            <a:endParaRPr lang="en-US" sz="1800" dirty="0" smtClean="0">
+              <a:latin typeface="Manrope" pitchFamily="2" charset="0"/>
+            </a:endParaRPr>
           </a:p>
           <a:p>
             <a:pPr marL="0" indent="0">
               <a:buNone/>
               <a:tabLst>
-                <a:tab pos="358775" algn="l"/>
+                <a:tab pos="627063" algn="l"/>
               </a:tabLst>
             </a:pPr>
             <a:r>
@@ -15486,8 +15256,372 @@
         </p:blipFill>
         <p:spPr bwMode="auto">
           <a:xfrm>
-            <a:off x="4716016" y="2780928"/>
+            <a:off x="4968552" y="2708920"/>
             <a:ext cx="3275856" cy="1842670"/>
+          </a:xfrm>
+          <a:prstGeom prst="rect">
+            <a:avLst/>
+          </a:prstGeom>
+          <a:noFill/>
+        </p:spPr>
+      </p:pic>
+      <p:pic>
+        <p:nvPicPr>
+          <p:cNvPr id="1026" name="Picture 2" descr="C:\Users\user\AppData\Local\Microsoft\Windows\INetCache\IE\9PTAK9YF\hook-1425312_960_720[1].png"/>
+          <p:cNvPicPr>
+            <a:picLocks noChangeAspect="1" noChangeArrowheads="1"/>
+          </p:cNvPicPr>
+          <p:nvPr/>
+        </p:nvPicPr>
+        <p:blipFill>
+          <a:blip r:embed="rId3" cstate="print"/>
+          <a:srcRect/>
+          <a:stretch>
+            <a:fillRect/>
+          </a:stretch>
+        </p:blipFill>
+        <p:spPr bwMode="auto">
+          <a:xfrm>
+            <a:off x="731551" y="1644426"/>
+            <a:ext cx="312122" cy="298048"/>
+          </a:xfrm>
+          <a:prstGeom prst="rect">
+            <a:avLst/>
+          </a:prstGeom>
+          <a:noFill/>
+        </p:spPr>
+      </p:pic>
+      <p:pic>
+        <p:nvPicPr>
+          <p:cNvPr id="6" name="Picture 2" descr="C:\Users\user\AppData\Local\Microsoft\Windows\INetCache\IE\9PTAK9YF\hook-1425312_960_720[1].png"/>
+          <p:cNvPicPr>
+            <a:picLocks noChangeAspect="1" noChangeArrowheads="1"/>
+          </p:cNvPicPr>
+          <p:nvPr/>
+        </p:nvPicPr>
+        <p:blipFill>
+          <a:blip r:embed="rId3" cstate="print"/>
+          <a:srcRect/>
+          <a:stretch>
+            <a:fillRect/>
+          </a:stretch>
+        </p:blipFill>
+        <p:spPr bwMode="auto">
+          <a:xfrm>
+            <a:off x="731551" y="1975903"/>
+            <a:ext cx="312122" cy="298048"/>
+          </a:xfrm>
+          <a:prstGeom prst="rect">
+            <a:avLst/>
+          </a:prstGeom>
+          <a:noFill/>
+        </p:spPr>
+      </p:pic>
+      <p:pic>
+        <p:nvPicPr>
+          <p:cNvPr id="7" name="Picture 2" descr="C:\Users\user\AppData\Local\Microsoft\Windows\INetCache\IE\9PTAK9YF\hook-1425312_960_720[1].png"/>
+          <p:cNvPicPr>
+            <a:picLocks noChangeAspect="1" noChangeArrowheads="1"/>
+          </p:cNvPicPr>
+          <p:nvPr/>
+        </p:nvPicPr>
+        <p:blipFill>
+          <a:blip r:embed="rId3" cstate="print"/>
+          <a:srcRect/>
+          <a:stretch>
+            <a:fillRect/>
+          </a:stretch>
+        </p:blipFill>
+        <p:spPr bwMode="auto">
+          <a:xfrm>
+            <a:off x="731551" y="2307380"/>
+            <a:ext cx="312122" cy="298048"/>
+          </a:xfrm>
+          <a:prstGeom prst="rect">
+            <a:avLst/>
+          </a:prstGeom>
+          <a:noFill/>
+        </p:spPr>
+      </p:pic>
+      <p:pic>
+        <p:nvPicPr>
+          <p:cNvPr id="8" name="Picture 2" descr="C:\Users\user\AppData\Local\Microsoft\Windows\INetCache\IE\9PTAK9YF\hook-1425312_960_720[1].png"/>
+          <p:cNvPicPr>
+            <a:picLocks noChangeAspect="1" noChangeArrowheads="1"/>
+          </p:cNvPicPr>
+          <p:nvPr/>
+        </p:nvPicPr>
+        <p:blipFill>
+          <a:blip r:embed="rId3" cstate="print"/>
+          <a:srcRect/>
+          <a:stretch>
+            <a:fillRect/>
+          </a:stretch>
+        </p:blipFill>
+        <p:spPr bwMode="auto">
+          <a:xfrm>
+            <a:off x="731551" y="2961369"/>
+            <a:ext cx="312122" cy="298048"/>
+          </a:xfrm>
+          <a:prstGeom prst="rect">
+            <a:avLst/>
+          </a:prstGeom>
+          <a:noFill/>
+        </p:spPr>
+      </p:pic>
+      <p:pic>
+        <p:nvPicPr>
+          <p:cNvPr id="9" name="Picture 2" descr="C:\Users\user\AppData\Local\Microsoft\Windows\INetCache\IE\9PTAK9YF\hook-1425312_960_720[1].png"/>
+          <p:cNvPicPr>
+            <a:picLocks noChangeAspect="1" noChangeArrowheads="1"/>
+          </p:cNvPicPr>
+          <p:nvPr/>
+        </p:nvPicPr>
+        <p:blipFill>
+          <a:blip r:embed="rId3" cstate="print"/>
+          <a:srcRect/>
+          <a:stretch>
+            <a:fillRect/>
+          </a:stretch>
+        </p:blipFill>
+        <p:spPr bwMode="auto">
+          <a:xfrm>
+            <a:off x="731551" y="2629892"/>
+            <a:ext cx="312122" cy="298048"/>
+          </a:xfrm>
+          <a:prstGeom prst="rect">
+            <a:avLst/>
+          </a:prstGeom>
+          <a:noFill/>
+        </p:spPr>
+      </p:pic>
+      <p:pic>
+        <p:nvPicPr>
+          <p:cNvPr id="10" name="Picture 2" descr="C:\Users\user\AppData\Local\Microsoft\Windows\INetCache\IE\9PTAK9YF\hook-1425312_960_720[1].png"/>
+          <p:cNvPicPr>
+            <a:picLocks noChangeAspect="1" noChangeArrowheads="1"/>
+          </p:cNvPicPr>
+          <p:nvPr/>
+        </p:nvPicPr>
+        <p:blipFill>
+          <a:blip r:embed="rId3" cstate="print"/>
+          <a:srcRect/>
+          <a:stretch>
+            <a:fillRect/>
+          </a:stretch>
+        </p:blipFill>
+        <p:spPr bwMode="auto">
+          <a:xfrm>
+            <a:off x="731551" y="3283881"/>
+            <a:ext cx="312122" cy="298048"/>
+          </a:xfrm>
+          <a:prstGeom prst="rect">
+            <a:avLst/>
+          </a:prstGeom>
+          <a:noFill/>
+        </p:spPr>
+      </p:pic>
+      <p:pic>
+        <p:nvPicPr>
+          <p:cNvPr id="11" name="Picture 2" descr="C:\Users\user\AppData\Local\Microsoft\Windows\INetCache\IE\9PTAK9YF\hook-1425312_960_720[1].png"/>
+          <p:cNvPicPr>
+            <a:picLocks noChangeAspect="1" noChangeArrowheads="1"/>
+          </p:cNvPicPr>
+          <p:nvPr/>
+        </p:nvPicPr>
+        <p:blipFill>
+          <a:blip r:embed="rId3" cstate="print"/>
+          <a:srcRect/>
+          <a:stretch>
+            <a:fillRect/>
+          </a:stretch>
+        </p:blipFill>
+        <p:spPr bwMode="auto">
+          <a:xfrm>
+            <a:off x="731551" y="3615358"/>
+            <a:ext cx="312122" cy="298048"/>
+          </a:xfrm>
+          <a:prstGeom prst="rect">
+            <a:avLst/>
+          </a:prstGeom>
+          <a:noFill/>
+        </p:spPr>
+      </p:pic>
+      <p:pic>
+        <p:nvPicPr>
+          <p:cNvPr id="12" name="Picture 2" descr="C:\Users\user\AppData\Local\Microsoft\Windows\INetCache\IE\9PTAK9YF\hook-1425312_960_720[1].png"/>
+          <p:cNvPicPr>
+            <a:picLocks noChangeAspect="1" noChangeArrowheads="1"/>
+          </p:cNvPicPr>
+          <p:nvPr/>
+        </p:nvPicPr>
+        <p:blipFill>
+          <a:blip r:embed="rId3" cstate="print"/>
+          <a:srcRect/>
+          <a:stretch>
+            <a:fillRect/>
+          </a:stretch>
+        </p:blipFill>
+        <p:spPr bwMode="auto">
+          <a:xfrm>
+            <a:off x="731551" y="3946835"/>
+            <a:ext cx="312122" cy="298048"/>
+          </a:xfrm>
+          <a:prstGeom prst="rect">
+            <a:avLst/>
+          </a:prstGeom>
+          <a:noFill/>
+        </p:spPr>
+      </p:pic>
+      <p:pic>
+        <p:nvPicPr>
+          <p:cNvPr id="13" name="Picture 2" descr="C:\Users\user\AppData\Local\Microsoft\Windows\INetCache\IE\9PTAK9YF\hook-1425312_960_720[1].png"/>
+          <p:cNvPicPr>
+            <a:picLocks noChangeAspect="1" noChangeArrowheads="1"/>
+          </p:cNvPicPr>
+          <p:nvPr/>
+        </p:nvPicPr>
+        <p:blipFill>
+          <a:blip r:embed="rId3" cstate="print"/>
+          <a:srcRect/>
+          <a:stretch>
+            <a:fillRect/>
+          </a:stretch>
+        </p:blipFill>
+        <p:spPr bwMode="auto">
+          <a:xfrm>
+            <a:off x="731551" y="4269347"/>
+            <a:ext cx="312122" cy="298048"/>
+          </a:xfrm>
+          <a:prstGeom prst="rect">
+            <a:avLst/>
+          </a:prstGeom>
+          <a:noFill/>
+        </p:spPr>
+      </p:pic>
+      <p:pic>
+        <p:nvPicPr>
+          <p:cNvPr id="14" name="Picture 2" descr="C:\Users\user\AppData\Local\Microsoft\Windows\INetCache\IE\9PTAK9YF\hook-1425312_960_720[1].png"/>
+          <p:cNvPicPr>
+            <a:picLocks noChangeAspect="1" noChangeArrowheads="1"/>
+          </p:cNvPicPr>
+          <p:nvPr/>
+        </p:nvPicPr>
+        <p:blipFill>
+          <a:blip r:embed="rId3" cstate="print"/>
+          <a:srcRect/>
+          <a:stretch>
+            <a:fillRect/>
+          </a:stretch>
+        </p:blipFill>
+        <p:spPr bwMode="auto">
+          <a:xfrm>
+            <a:off x="731551" y="4600824"/>
+            <a:ext cx="312122" cy="298048"/>
+          </a:xfrm>
+          <a:prstGeom prst="rect">
+            <a:avLst/>
+          </a:prstGeom>
+          <a:noFill/>
+        </p:spPr>
+      </p:pic>
+      <p:pic>
+        <p:nvPicPr>
+          <p:cNvPr id="15" name="Picture 2" descr="C:\Users\user\AppData\Local\Microsoft\Windows\INetCache\IE\9PTAK9YF\hook-1425312_960_720[1].png"/>
+          <p:cNvPicPr>
+            <a:picLocks noChangeAspect="1" noChangeArrowheads="1"/>
+          </p:cNvPicPr>
+          <p:nvPr/>
+        </p:nvPicPr>
+        <p:blipFill>
+          <a:blip r:embed="rId3" cstate="print"/>
+          <a:srcRect/>
+          <a:stretch>
+            <a:fillRect/>
+          </a:stretch>
+        </p:blipFill>
+        <p:spPr bwMode="auto">
+          <a:xfrm>
+            <a:off x="731551" y="5263778"/>
+            <a:ext cx="312122" cy="298048"/>
+          </a:xfrm>
+          <a:prstGeom prst="rect">
+            <a:avLst/>
+          </a:prstGeom>
+          <a:noFill/>
+        </p:spPr>
+      </p:pic>
+      <p:pic>
+        <p:nvPicPr>
+          <p:cNvPr id="16" name="Picture 2" descr="C:\Users\user\AppData\Local\Microsoft\Windows\INetCache\IE\9PTAK9YF\hook-1425312_960_720[1].png"/>
+          <p:cNvPicPr>
+            <a:picLocks noChangeAspect="1" noChangeArrowheads="1"/>
+          </p:cNvPicPr>
+          <p:nvPr/>
+        </p:nvPicPr>
+        <p:blipFill>
+          <a:blip r:embed="rId3" cstate="print"/>
+          <a:srcRect/>
+          <a:stretch>
+            <a:fillRect/>
+          </a:stretch>
+        </p:blipFill>
+        <p:spPr bwMode="auto">
+          <a:xfrm>
+            <a:off x="731551" y="4932301"/>
+            <a:ext cx="312122" cy="298048"/>
+          </a:xfrm>
+          <a:prstGeom prst="rect">
+            <a:avLst/>
+          </a:prstGeom>
+          <a:noFill/>
+        </p:spPr>
+      </p:pic>
+      <p:pic>
+        <p:nvPicPr>
+          <p:cNvPr id="17" name="Picture 2" descr="C:\Users\user\AppData\Local\Microsoft\Windows\INetCache\IE\9PTAK9YF\hook-1425312_960_720[1].png"/>
+          <p:cNvPicPr>
+            <a:picLocks noChangeAspect="1" noChangeArrowheads="1"/>
+          </p:cNvPicPr>
+          <p:nvPr/>
+        </p:nvPicPr>
+        <p:blipFill>
+          <a:blip r:embed="rId3" cstate="print"/>
+          <a:srcRect/>
+          <a:stretch>
+            <a:fillRect/>
+          </a:stretch>
+        </p:blipFill>
+        <p:spPr bwMode="auto">
+          <a:xfrm>
+            <a:off x="731551" y="5595255"/>
+            <a:ext cx="312122" cy="298048"/>
+          </a:xfrm>
+          <a:prstGeom prst="rect">
+            <a:avLst/>
+          </a:prstGeom>
+          <a:noFill/>
+        </p:spPr>
+      </p:pic>
+      <p:pic>
+        <p:nvPicPr>
+          <p:cNvPr id="18" name="Picture 2" descr="C:\Users\user\AppData\Local\Microsoft\Windows\INetCache\IE\9PTAK9YF\hook-1425312_960_720[1].png"/>
+          <p:cNvPicPr>
+            <a:picLocks noChangeAspect="1" noChangeArrowheads="1"/>
+          </p:cNvPicPr>
+          <p:nvPr/>
+        </p:nvPicPr>
+        <p:blipFill>
+          <a:blip r:embed="rId3" cstate="print"/>
+          <a:srcRect/>
+          <a:stretch>
+            <a:fillRect/>
+          </a:stretch>
+        </p:blipFill>
+        <p:spPr bwMode="auto">
+          <a:xfrm>
+            <a:off x="731551" y="5917765"/>
+            <a:ext cx="312122" cy="298048"/>
           </a:xfrm>
           <a:prstGeom prst="rect">
             <a:avLst/>
@@ -15557,7 +15691,7 @@
               <a:t>05. Vezetői jelentés – </a:t>
             </a:r>
             <a:r>
-              <a:rPr lang="hu-HU" sz="4000" dirty="0" err="1" smtClean="0">
+              <a:rPr lang="hu-HU" sz="4000" dirty="0" smtClean="0">
                 <a:latin typeface="Manrope" pitchFamily="2" charset="0"/>
               </a:rPr>
               <a:t>Allure</a:t>
@@ -15569,7 +15703,7 @@
               <a:t> </a:t>
             </a:r>
             <a:r>
-              <a:rPr lang="hu-HU" sz="4000" dirty="0" err="1" smtClean="0">
+              <a:rPr lang="hu-HU" sz="4000" dirty="0" smtClean="0">
                 <a:latin typeface="Manrope" pitchFamily="2" charset="0"/>
               </a:rPr>
               <a:t>Report</a:t>
